--- a/Apresentação Datathon.pptx
+++ b/Apresentação Datathon.pptx
@@ -16461,16 +16461,155 @@
           </a:p>
           <a:p>
             <a:r>
-              <a:rPr lang="pt-BR" b="0" i="0" dirty="0">
+              <a:rPr lang="pt-BR" i="0" dirty="0">
                 <a:solidFill>
                   <a:srgbClr val="374151"/>
                 </a:solidFill>
                 <a:effectLst/>
                 <a:latin typeface="Söhne"/>
               </a:rPr>
-              <a:t>A análise de dados é essencial para a compreensão das malformações congênitas. As malformações congênitas são defeitos físicos ou funcionais presentes no nascimento e podem afetar qualquer parte do corpo. Elas podem ser causadas por fatores genéticos, ambientais ou uma combinação dos dois. A análise dos dados coletados pode revelar fatores de risco, como exposição a substâncias tóxicas, histórico familiar, idade materna avançada e outras condições médicas.</a:t>
-            </a:r>
-            <a:endParaRPr lang="pt-BR" dirty="0"/>
+              <a:t>As malformações congênitas</a:t>
+            </a:r>
+            <a:r>
+              <a:rPr lang="pt-BR" b="0" i="0" dirty="0">
+                <a:solidFill>
+                  <a:srgbClr val="374151"/>
+                </a:solidFill>
+                <a:effectLst/>
+                <a:latin typeface="Söhne"/>
+              </a:rPr>
+              <a:t> são defeitos físicos decorrentes de erros na formação do embrião e podem afetar qualquer parte do corpo. </a:t>
+            </a:r>
+          </a:p>
+          <a:p>
+            <a:r>
+              <a:rPr lang="pt-BR" b="0" dirty="0">
+                <a:solidFill>
+                  <a:srgbClr val="374151"/>
+                </a:solidFill>
+                <a:latin typeface="Söhne"/>
+              </a:rPr>
+              <a:t>Segundo a OMS, aprox. </a:t>
+            </a:r>
+            <a:r>
+              <a:rPr lang="pt-BR" dirty="0">
+                <a:solidFill>
+                  <a:srgbClr val="374151"/>
+                </a:solidFill>
+                <a:latin typeface="Söhne"/>
+              </a:rPr>
+              <a:t>50% não tem causa específica</a:t>
+            </a:r>
+            <a:r>
+              <a:rPr lang="pt-BR" b="0" dirty="0">
+                <a:solidFill>
+                  <a:srgbClr val="374151"/>
+                </a:solidFill>
+                <a:latin typeface="Söhne"/>
+              </a:rPr>
+              <a:t>. Porém, podem ser causadas por fatores: </a:t>
+            </a:r>
+          </a:p>
+          <a:p>
+            <a:pPr marL="457200" indent="-457200">
+              <a:buFont typeface="Arial" panose="020B0604020202020204" pitchFamily="34" charset="0"/>
+              <a:buChar char="•"/>
+            </a:pPr>
+            <a:r>
+              <a:rPr lang="pt-BR" dirty="0">
+                <a:solidFill>
+                  <a:srgbClr val="374151"/>
+                </a:solidFill>
+                <a:latin typeface="Söhne"/>
+              </a:rPr>
+              <a:t>Genéticos, </a:t>
+            </a:r>
+          </a:p>
+          <a:p>
+            <a:pPr marL="457200" indent="-457200">
+              <a:buFont typeface="Arial" panose="020B0604020202020204" pitchFamily="34" charset="0"/>
+              <a:buChar char="•"/>
+            </a:pPr>
+            <a:r>
+              <a:rPr lang="pt-BR" dirty="0">
+                <a:solidFill>
+                  <a:srgbClr val="374151"/>
+                </a:solidFill>
+                <a:latin typeface="Söhne"/>
+              </a:rPr>
+              <a:t>Ambientais,</a:t>
+            </a:r>
+          </a:p>
+          <a:p>
+            <a:pPr marL="457200" indent="-457200">
+              <a:buFont typeface="Arial" panose="020B0604020202020204" pitchFamily="34" charset="0"/>
+              <a:buChar char="•"/>
+            </a:pPr>
+            <a:r>
+              <a:rPr lang="pt-BR" dirty="0">
+                <a:solidFill>
+                  <a:srgbClr val="374151"/>
+                </a:solidFill>
+                <a:latin typeface="Söhne"/>
+              </a:rPr>
+              <a:t>Combinação dos dois.</a:t>
+            </a:r>
+          </a:p>
+          <a:p>
+            <a:r>
+              <a:rPr lang="pt-BR" dirty="0">
+                <a:solidFill>
+                  <a:srgbClr val="374151"/>
+                </a:solidFill>
+                <a:latin typeface="Söhne"/>
+              </a:rPr>
+              <a:t>94%</a:t>
+            </a:r>
+            <a:r>
+              <a:rPr lang="pt-BR" sz="2400" b="0" dirty="0">
+                <a:solidFill>
+                  <a:srgbClr val="374151"/>
+                </a:solidFill>
+                <a:latin typeface="Söhne"/>
+              </a:rPr>
+              <a:t> </a:t>
+            </a:r>
+            <a:r>
+              <a:rPr lang="pt-BR" b="0" dirty="0">
+                <a:solidFill>
+                  <a:srgbClr val="374151"/>
+                </a:solidFill>
+                <a:latin typeface="Söhne"/>
+              </a:rPr>
+              <a:t>ocorrem em países de </a:t>
+            </a:r>
+            <a:r>
+              <a:rPr lang="pt-BR" dirty="0">
+                <a:solidFill>
+                  <a:srgbClr val="374151"/>
+                </a:solidFill>
+                <a:latin typeface="Söhne"/>
+              </a:rPr>
+              <a:t>baixa ou média renda</a:t>
+            </a:r>
+            <a:r>
+              <a:rPr lang="pt-BR" b="0" dirty="0">
+                <a:solidFill>
+                  <a:srgbClr val="374151"/>
+                </a:solidFill>
+                <a:latin typeface="Söhne"/>
+              </a:rPr>
+              <a:t>.</a:t>
+            </a:r>
+          </a:p>
+          <a:p>
+            <a:endParaRPr lang="pt-BR" b="0" i="0" dirty="0">
+              <a:solidFill>
+                <a:srgbClr val="374151"/>
+              </a:solidFill>
+              <a:effectLst/>
+              <a:latin typeface="Söhne"/>
+            </a:endParaRPr>
           </a:p>
         </p:txBody>
       </p:sp>
@@ -16589,20 +16728,142 @@
           <a:bodyPr/>
           <a:lstStyle/>
           <a:p>
-            <a:endParaRPr lang="pt-BR" dirty="0"/>
-          </a:p>
-          <a:p>
-            <a:r>
-              <a:rPr lang="en-US" b="0" i="0" dirty="0">
+            <a:r>
+              <a:rPr lang="en-US" dirty="0">
                 <a:solidFill>
                   <a:srgbClr val="374151"/>
                 </a:solidFill>
-                <a:effectLst/>
                 <a:latin typeface="Söhne"/>
               </a:rPr>
-              <a:t>Data analysis is essential for understanding congenital malformations. Congenital malformations are physical or functional defects present at birth and can affect any part of the body. They can be caused by genetic or environmental factors, or a combination of both. Analyzing the collected data can reveal risk factors such as exposure to toxic substances, family history, advanced maternal age, and other medical conditions.</a:t>
-            </a:r>
-            <a:endParaRPr lang="pt-BR" dirty="0"/>
+              <a:t>Congenital malformations </a:t>
+            </a:r>
+            <a:r>
+              <a:rPr lang="en-US" b="0" dirty="0">
+                <a:solidFill>
+                  <a:srgbClr val="374151"/>
+                </a:solidFill>
+                <a:latin typeface="Söhne"/>
+              </a:rPr>
+              <a:t>are physical defects resulting from errors in the formation of the embryo and can affect any part of the body.</a:t>
+            </a:r>
+          </a:p>
+          <a:p>
+            <a:r>
+              <a:rPr lang="en-US" b="0" dirty="0">
+                <a:solidFill>
+                  <a:srgbClr val="374151"/>
+                </a:solidFill>
+                <a:latin typeface="Söhne"/>
+              </a:rPr>
+              <a:t>According to the WHO, approximately </a:t>
+            </a:r>
+            <a:r>
+              <a:rPr lang="en-US" dirty="0">
+                <a:solidFill>
+                  <a:srgbClr val="374151"/>
+                </a:solidFill>
+                <a:latin typeface="Söhne"/>
+              </a:rPr>
+              <a:t>50% have no specific cause</a:t>
+            </a:r>
+            <a:r>
+              <a:rPr lang="en-US" b="0" dirty="0">
+                <a:solidFill>
+                  <a:srgbClr val="374151"/>
+                </a:solidFill>
+                <a:latin typeface="Söhne"/>
+              </a:rPr>
+              <a:t>. However, they can be caused by factors such as: </a:t>
+            </a:r>
+          </a:p>
+          <a:p>
+            <a:pPr marL="457200" indent="-457200">
+              <a:buFont typeface="Arial" panose="020B0604020202020204" pitchFamily="34" charset="0"/>
+              <a:buChar char="•"/>
+            </a:pPr>
+            <a:r>
+              <a:rPr lang="en-US" dirty="0">
+                <a:solidFill>
+                  <a:srgbClr val="374151"/>
+                </a:solidFill>
+                <a:latin typeface="Söhne"/>
+              </a:rPr>
+              <a:t>Genetics, </a:t>
+            </a:r>
+          </a:p>
+          <a:p>
+            <a:pPr marL="457200" indent="-457200">
+              <a:buFont typeface="Arial" panose="020B0604020202020204" pitchFamily="34" charset="0"/>
+              <a:buChar char="•"/>
+            </a:pPr>
+            <a:r>
+              <a:rPr lang="en-US" dirty="0">
+                <a:solidFill>
+                  <a:srgbClr val="374151"/>
+                </a:solidFill>
+                <a:latin typeface="Söhne"/>
+              </a:rPr>
+              <a:t>Environment, </a:t>
+            </a:r>
+          </a:p>
+          <a:p>
+            <a:pPr marL="457200" indent="-457200">
+              <a:buFont typeface="Arial" panose="020B0604020202020204" pitchFamily="34" charset="0"/>
+              <a:buChar char="•"/>
+            </a:pPr>
+            <a:r>
+              <a:rPr lang="en-US" dirty="0">
+                <a:solidFill>
+                  <a:srgbClr val="374151"/>
+                </a:solidFill>
+                <a:latin typeface="Söhne"/>
+              </a:rPr>
+              <a:t>Or a combination of both. </a:t>
+            </a:r>
+          </a:p>
+          <a:p>
+            <a:r>
+              <a:rPr lang="en-US" dirty="0">
+                <a:solidFill>
+                  <a:srgbClr val="374151"/>
+                </a:solidFill>
+                <a:latin typeface="Söhne"/>
+              </a:rPr>
+              <a:t>94% </a:t>
+            </a:r>
+            <a:r>
+              <a:rPr lang="en-US" b="0" dirty="0">
+                <a:solidFill>
+                  <a:srgbClr val="374151"/>
+                </a:solidFill>
+                <a:latin typeface="Söhne"/>
+              </a:rPr>
+              <a:t>of them occur in </a:t>
+            </a:r>
+            <a:r>
+              <a:rPr lang="en-US" dirty="0">
+                <a:solidFill>
+                  <a:srgbClr val="374151"/>
+                </a:solidFill>
+                <a:latin typeface="Söhne"/>
+              </a:rPr>
+              <a:t>low- or middle-income </a:t>
+            </a:r>
+            <a:r>
+              <a:rPr lang="en-US" b="0" dirty="0">
+                <a:solidFill>
+                  <a:srgbClr val="374151"/>
+                </a:solidFill>
+                <a:latin typeface="Söhne"/>
+              </a:rPr>
+              <a:t>countries.</a:t>
+            </a:r>
+            <a:endParaRPr lang="pt-BR" b="0" dirty="0">
+              <a:solidFill>
+                <a:srgbClr val="374151"/>
+              </a:solidFill>
+              <a:latin typeface="Söhne"/>
+            </a:endParaRPr>
           </a:p>
         </p:txBody>
       </p:sp>
@@ -17191,8 +17452,8 @@
         </p:nvSpPr>
         <p:spPr>
           <a:xfrm>
-            <a:off x="440192" y="905885"/>
-            <a:ext cx="8097880" cy="5641503"/>
+            <a:off x="440191" y="905885"/>
+            <a:ext cx="8439403" cy="6199995"/>
           </a:xfrm>
         </p:spPr>
         <p:txBody>
@@ -17200,12 +17461,9 @@
           <a:lstStyle/>
           <a:p>
             <a:r>
-              <a:rPr lang="pt-BR" dirty="0"/>
-              <a:t>Utilização dos bancos de dados:</a:t>
-            </a:r>
-          </a:p>
-          <a:p>
-            <a:endParaRPr lang="pt-BR" dirty="0"/>
+              <a:rPr lang="pt-BR" sz="1600" dirty="0"/>
+              <a:t>Fonte de dados:</a:t>
+            </a:r>
           </a:p>
           <a:p>
             <a:pPr marL="457200" indent="-457200">
@@ -17213,7 +17471,7 @@
               <a:buChar char="§"/>
             </a:pPr>
             <a:r>
-              <a:rPr lang="pt-BR" sz="2400" dirty="0"/>
+              <a:rPr lang="pt-BR" sz="1600" dirty="0"/>
               <a:t>SIM</a:t>
             </a:r>
           </a:p>
@@ -17223,7 +17481,7 @@
               <a:buChar char="§"/>
             </a:pPr>
             <a:r>
-              <a:rPr lang="pt-BR" sz="2400" dirty="0"/>
+              <a:rPr lang="pt-BR" sz="1600" dirty="0"/>
               <a:t>SINASC</a:t>
             </a:r>
           </a:p>
@@ -17233,7 +17491,7 @@
               <a:buChar char="§"/>
             </a:pPr>
             <a:r>
-              <a:rPr lang="pt-BR" sz="2400" dirty="0"/>
+              <a:rPr lang="pt-BR" sz="1600" dirty="0"/>
               <a:t>GEOSES</a:t>
             </a:r>
           </a:p>
@@ -17243,7 +17501,7 @@
               <a:buChar char="§"/>
             </a:pPr>
             <a:r>
-              <a:rPr lang="pt-BR" sz="2400" u="sng" dirty="0"/>
+              <a:rPr lang="pt-BR" sz="1600" u="sng" dirty="0"/>
               <a:t>CNES</a:t>
             </a:r>
           </a:p>
@@ -17253,17 +17511,363 @@
               <a:buChar char="§"/>
             </a:pPr>
             <a:r>
-              <a:rPr lang="pt-BR" sz="2400" u="sng" dirty="0"/>
+              <a:rPr lang="pt-BR" sz="1600" u="sng" dirty="0"/>
               <a:t>IBGE</a:t>
             </a:r>
           </a:p>
           <a:p>
-            <a:endParaRPr lang="pt-BR" dirty="0"/>
-          </a:p>
-          <a:p>
-            <a:r>
-              <a:rPr lang="pt-BR" sz="2400" dirty="0"/>
-              <a:t>Realizado a limpeza dos três bancos de dados, utilizada a técnica RANDOM FOREST para  seleção das variáveis, feita uma análise descritiva dos dados e predição de malformações congênitas por regressão logística.</a:t>
+            <a:endParaRPr lang="pt-BR" sz="1600" dirty="0"/>
+          </a:p>
+          <a:p>
+            <a:r>
+              <a:rPr lang="pt-BR" sz="1600" dirty="0"/>
+              <a:t>Processo de tratamento:</a:t>
+            </a:r>
+          </a:p>
+          <a:p>
+            <a:pPr marL="342900" rtl="0" fontAlgn="ctr">
+              <a:spcBef>
+                <a:spcPts val="0"/>
+              </a:spcBef>
+              <a:spcAft>
+                <a:spcPts val="0"/>
+              </a:spcAft>
+              <a:buFont typeface="Arial" panose="020B0604020202020204" pitchFamily="34" charset="0"/>
+              <a:buChar char="•"/>
+            </a:pPr>
+            <a:r>
+              <a:rPr lang="pt-BR" sz="1600" dirty="0">
+                <a:effectLst/>
+                <a:latin typeface="Calibri" panose="020F0502020204030204" pitchFamily="34" charset="0"/>
+              </a:rPr>
+              <a:t>Unimos os diferentes arquivos por ano e estado</a:t>
+            </a:r>
+          </a:p>
+          <a:p>
+            <a:pPr marL="1174750" lvl="1" fontAlgn="ctr">
+              <a:spcBef>
+                <a:spcPts val="0"/>
+              </a:spcBef>
+              <a:spcAft>
+                <a:spcPts val="0"/>
+              </a:spcAft>
+              <a:buFont typeface="Arial" panose="020B0604020202020204" pitchFamily="34" charset="0"/>
+              <a:buChar char="•"/>
+            </a:pPr>
+            <a:r>
+              <a:rPr lang="pt-BR" sz="1800" dirty="0">
+                <a:latin typeface="Calibri" panose="020F0502020204030204" pitchFamily="34" charset="0"/>
+              </a:rPr>
+              <a:t>Para os modelos estatísticos utilizamos 2 anos (2019-20) para descritivos 4 anos (2017-20).</a:t>
+            </a:r>
+            <a:endParaRPr lang="pt-BR" sz="1800" dirty="0">
+              <a:effectLst/>
+              <a:latin typeface="Calibri" panose="020F0502020204030204" pitchFamily="34" charset="0"/>
+            </a:endParaRPr>
+          </a:p>
+          <a:p>
+            <a:pPr marL="342900" rtl="0" fontAlgn="ctr">
+              <a:spcBef>
+                <a:spcPts val="0"/>
+              </a:spcBef>
+              <a:spcAft>
+                <a:spcPts val="0"/>
+              </a:spcAft>
+              <a:buFont typeface="Arial" panose="020B0604020202020204" pitchFamily="34" charset="0"/>
+              <a:buChar char="•"/>
+            </a:pPr>
+            <a:r>
+              <a:rPr lang="pt-BR" sz="1600" dirty="0">
+                <a:effectLst/>
+                <a:latin typeface="Calibri" panose="020F0502020204030204" pitchFamily="34" charset="0"/>
+              </a:rPr>
+              <a:t>Excluímos má formação ignorado (</a:t>
+            </a:r>
+            <a:r>
+              <a:rPr lang="pt-BR" sz="1600" dirty="0" err="1">
+                <a:effectLst/>
+                <a:latin typeface="Calibri" panose="020F0502020204030204" pitchFamily="34" charset="0"/>
+              </a:rPr>
+              <a:t>def_anomalia</a:t>
+            </a:r>
+            <a:r>
+              <a:rPr lang="pt-BR" sz="1600" dirty="0">
+                <a:effectLst/>
+                <a:latin typeface="Calibri" panose="020F0502020204030204" pitchFamily="34" charset="0"/>
+              </a:rPr>
+              <a:t>)</a:t>
+            </a:r>
+          </a:p>
+          <a:p>
+            <a:pPr marL="342900" rtl="0" fontAlgn="ctr">
+              <a:spcBef>
+                <a:spcPts val="0"/>
+              </a:spcBef>
+              <a:spcAft>
+                <a:spcPts val="0"/>
+              </a:spcAft>
+              <a:buFont typeface="Arial" panose="020B0604020202020204" pitchFamily="34" charset="0"/>
+              <a:buChar char="•"/>
+            </a:pPr>
+            <a:r>
+              <a:rPr lang="pt-BR" sz="1600" dirty="0">
+                <a:effectLst/>
+                <a:latin typeface="Calibri" panose="020F0502020204030204" pitchFamily="34" charset="0"/>
+              </a:rPr>
+              <a:t>Excluímos colunas com mais de 30% de </a:t>
+            </a:r>
+            <a:r>
+              <a:rPr lang="pt-BR" sz="1600" dirty="0" err="1">
+                <a:effectLst/>
+                <a:latin typeface="Calibri" panose="020F0502020204030204" pitchFamily="34" charset="0"/>
+              </a:rPr>
+              <a:t>missing</a:t>
+            </a:r>
+            <a:r>
+              <a:rPr lang="pt-BR" sz="1600" dirty="0">
+                <a:effectLst/>
+                <a:latin typeface="Calibri" panose="020F0502020204030204" pitchFamily="34" charset="0"/>
+              </a:rPr>
+              <a:t> data</a:t>
+            </a:r>
+          </a:p>
+          <a:p>
+            <a:pPr marL="342900" rtl="0" fontAlgn="ctr">
+              <a:spcBef>
+                <a:spcPts val="0"/>
+              </a:spcBef>
+              <a:spcAft>
+                <a:spcPts val="0"/>
+              </a:spcAft>
+              <a:buFont typeface="Arial" panose="020B0604020202020204" pitchFamily="34" charset="0"/>
+              <a:buChar char="•"/>
+            </a:pPr>
+            <a:r>
+              <a:rPr lang="pt-BR" sz="1600" dirty="0">
+                <a:effectLst/>
+                <a:latin typeface="Calibri" panose="020F0502020204030204" pitchFamily="34" charset="0"/>
+              </a:rPr>
+              <a:t>Excluímos prematuridade não definido</a:t>
+            </a:r>
+          </a:p>
+          <a:p>
+            <a:pPr marL="342900" rtl="0" fontAlgn="ctr">
+              <a:spcBef>
+                <a:spcPts val="0"/>
+              </a:spcBef>
+              <a:spcAft>
+                <a:spcPts val="0"/>
+              </a:spcAft>
+              <a:buFont typeface="Arial" panose="020B0604020202020204" pitchFamily="34" charset="0"/>
+              <a:buChar char="•"/>
+            </a:pPr>
+            <a:r>
+              <a:rPr lang="pt-BR" sz="1600" dirty="0">
+                <a:effectLst/>
+                <a:latin typeface="Calibri" panose="020F0502020204030204" pitchFamily="34" charset="0"/>
+              </a:rPr>
+              <a:t>Excluímos valores outliers</a:t>
+            </a:r>
+          </a:p>
+          <a:p>
+            <a:pPr marL="742950" lvl="1" indent="-285750" rtl="0" fontAlgn="ctr">
+              <a:spcBef>
+                <a:spcPts val="0"/>
+              </a:spcBef>
+              <a:spcAft>
+                <a:spcPts val="0"/>
+              </a:spcAft>
+              <a:buFont typeface="Courier New" panose="02070309020205020404" pitchFamily="49" charset="0"/>
+              <a:buChar char="o"/>
+            </a:pPr>
+            <a:r>
+              <a:rPr lang="pt-BR" sz="1600" dirty="0">
+                <a:effectLst/>
+                <a:latin typeface="Calibri" panose="020F0502020204030204" pitchFamily="34" charset="0"/>
+              </a:rPr>
+              <a:t>Limpamos qualquer valor == 99 de todas as variáveis</a:t>
+            </a:r>
+          </a:p>
+          <a:p>
+            <a:pPr marL="742950" lvl="1" indent="-285750" rtl="0" fontAlgn="ctr">
+              <a:spcBef>
+                <a:spcPts val="0"/>
+              </a:spcBef>
+              <a:spcAft>
+                <a:spcPts val="0"/>
+              </a:spcAft>
+              <a:buFont typeface="Courier New" panose="02070309020205020404" pitchFamily="49" charset="0"/>
+              <a:buChar char="o"/>
+            </a:pPr>
+            <a:r>
+              <a:rPr lang="pt-BR" sz="1600" dirty="0" err="1">
+                <a:effectLst/>
+                <a:latin typeface="Calibri" panose="020F0502020204030204" pitchFamily="34" charset="0"/>
+              </a:rPr>
+              <a:t>Qtd</a:t>
+            </a:r>
+            <a:r>
+              <a:rPr lang="pt-BR" sz="1600" dirty="0">
+                <a:effectLst/>
+                <a:latin typeface="Calibri" panose="020F0502020204030204" pitchFamily="34" charset="0"/>
+              </a:rPr>
+              <a:t> de filhos vivos e mortos maiores que a idade da mãe menos 8 (menor idade da mãe)</a:t>
+            </a:r>
+          </a:p>
+          <a:p>
+            <a:pPr marL="742950" lvl="1" indent="-285750" rtl="0" fontAlgn="ctr">
+              <a:spcBef>
+                <a:spcPts val="0"/>
+              </a:spcBef>
+              <a:spcAft>
+                <a:spcPts val="0"/>
+              </a:spcAft>
+              <a:buFont typeface="Courier New" panose="02070309020205020404" pitchFamily="49" charset="0"/>
+              <a:buChar char="o"/>
+            </a:pPr>
+            <a:r>
+              <a:rPr lang="pt-BR" sz="1600" dirty="0">
+                <a:effectLst/>
+                <a:latin typeface="Calibri" panose="020F0502020204030204" pitchFamily="34" charset="0"/>
+              </a:rPr>
+              <a:t>Peso ao nascer maior que a média + 3 * o desvio padrão</a:t>
+            </a:r>
+          </a:p>
+          <a:p>
+            <a:pPr marL="742950" lvl="1" indent="-285750" rtl="0" fontAlgn="ctr">
+              <a:spcBef>
+                <a:spcPts val="0"/>
+              </a:spcBef>
+              <a:spcAft>
+                <a:spcPts val="0"/>
+              </a:spcAft>
+              <a:buFont typeface="Courier New" panose="02070309020205020404" pitchFamily="49" charset="0"/>
+              <a:buChar char="o"/>
+            </a:pPr>
+            <a:r>
+              <a:rPr lang="pt-BR" sz="1600" dirty="0">
+                <a:effectLst/>
+                <a:latin typeface="Calibri" panose="020F0502020204030204" pitchFamily="34" charset="0"/>
+              </a:rPr>
+              <a:t>Quantidade de consultas pré-natal acima de 20</a:t>
+            </a:r>
+          </a:p>
+          <a:p>
+            <a:pPr marL="342900" rtl="0" fontAlgn="ctr">
+              <a:spcBef>
+                <a:spcPts val="0"/>
+              </a:spcBef>
+              <a:spcAft>
+                <a:spcPts val="0"/>
+              </a:spcAft>
+              <a:buFont typeface="Arial" panose="020B0604020202020204" pitchFamily="34" charset="0"/>
+              <a:buChar char="•"/>
+            </a:pPr>
+            <a:r>
+              <a:rPr lang="pt-BR" sz="1600" dirty="0">
+                <a:effectLst/>
+                <a:latin typeface="Calibri" panose="020F0502020204030204" pitchFamily="34" charset="0"/>
+              </a:rPr>
+              <a:t>Excluímos NA de todas as variáveis</a:t>
+            </a:r>
+          </a:p>
+          <a:p>
+            <a:pPr marL="342900" rtl="0" fontAlgn="ctr">
+              <a:spcBef>
+                <a:spcPts val="0"/>
+              </a:spcBef>
+              <a:spcAft>
+                <a:spcPts val="0"/>
+              </a:spcAft>
+              <a:buFont typeface="Arial" panose="020B0604020202020204" pitchFamily="34" charset="0"/>
+              <a:buChar char="•"/>
+            </a:pPr>
+            <a:r>
+              <a:rPr lang="pt-BR" sz="1600" dirty="0">
+                <a:effectLst/>
+                <a:latin typeface="Calibri" panose="020F0502020204030204" pitchFamily="34" charset="0"/>
+              </a:rPr>
+              <a:t>Selecionamos as </a:t>
+            </a:r>
+            <a:r>
+              <a:rPr lang="pt-BR" sz="1600" dirty="0" err="1">
+                <a:effectLst/>
+                <a:latin typeface="Calibri" panose="020F0502020204030204" pitchFamily="34" charset="0"/>
+              </a:rPr>
+              <a:t>features</a:t>
+            </a:r>
+            <a:r>
+              <a:rPr lang="pt-BR" sz="1600" dirty="0">
+                <a:effectLst/>
+                <a:latin typeface="Calibri" panose="020F0502020204030204" pitchFamily="34" charset="0"/>
+              </a:rPr>
+              <a:t> mais importantes</a:t>
+            </a:r>
+          </a:p>
+          <a:p>
+            <a:pPr marL="742950" lvl="1" indent="-285750" rtl="0" fontAlgn="ctr">
+              <a:spcBef>
+                <a:spcPts val="0"/>
+              </a:spcBef>
+              <a:spcAft>
+                <a:spcPts val="0"/>
+              </a:spcAft>
+              <a:buFont typeface="Courier New" panose="02070309020205020404" pitchFamily="49" charset="0"/>
+              <a:buChar char="o"/>
+            </a:pPr>
+            <a:r>
+              <a:rPr lang="pt-BR" sz="1600" dirty="0">
+                <a:effectLst/>
+                <a:latin typeface="Calibri" panose="020F0502020204030204" pitchFamily="34" charset="0"/>
+              </a:rPr>
+              <a:t>Primeira seleção manual por meio da análise do dicionário de dados e relevância clínica</a:t>
+            </a:r>
+          </a:p>
+          <a:p>
+            <a:pPr marL="742950" lvl="1" indent="-285750" rtl="0" fontAlgn="ctr">
+              <a:spcBef>
+                <a:spcPts val="0"/>
+              </a:spcBef>
+              <a:spcAft>
+                <a:spcPts val="0"/>
+              </a:spcAft>
+              <a:buFont typeface="Courier New" panose="02070309020205020404" pitchFamily="49" charset="0"/>
+              <a:buChar char="o"/>
+            </a:pPr>
+            <a:r>
+              <a:rPr lang="pt-BR" sz="1600" dirty="0">
+                <a:effectLst/>
+                <a:latin typeface="Calibri" panose="020F0502020204030204" pitchFamily="34" charset="0"/>
+              </a:rPr>
+              <a:t>Segunda seleção por meio de análise de </a:t>
+            </a:r>
+            <a:r>
+              <a:rPr lang="pt-BR" sz="1600" dirty="0" err="1">
+                <a:effectLst/>
+                <a:latin typeface="Calibri" panose="020F0502020204030204" pitchFamily="34" charset="0"/>
+              </a:rPr>
+              <a:t>features</a:t>
+            </a:r>
+            <a:r>
+              <a:rPr lang="pt-BR" sz="1600">
+                <a:effectLst/>
+                <a:latin typeface="Calibri" panose="020F0502020204030204" pitchFamily="34" charset="0"/>
+              </a:rPr>
+              <a:t> utilizando </a:t>
+            </a:r>
+            <a:r>
+              <a:rPr lang="pt-BR" sz="1600" dirty="0" err="1">
+                <a:effectLst/>
+                <a:latin typeface="Calibri" panose="020F0502020204030204" pitchFamily="34" charset="0"/>
+              </a:rPr>
+              <a:t>Random</a:t>
+            </a:r>
+            <a:r>
+              <a:rPr lang="pt-BR" sz="1600" dirty="0">
+                <a:effectLst/>
+                <a:latin typeface="Calibri" panose="020F0502020204030204" pitchFamily="34" charset="0"/>
+              </a:rPr>
+              <a:t> Forest e Regressão Logística</a:t>
             </a:r>
           </a:p>
         </p:txBody>

--- a/Apresentação Datathon.pptx
+++ b/Apresentação Datathon.pptx
@@ -5,10 +5,10 @@
     <p:sldMasterId id="2147483648" r:id="rId1"/>
   </p:sldMasterIdLst>
   <p:notesMasterIdLst>
-    <p:notesMasterId r:id="rId18"/>
+    <p:notesMasterId r:id="rId25"/>
   </p:notesMasterIdLst>
   <p:handoutMasterIdLst>
-    <p:handoutMasterId r:id="rId19"/>
+    <p:handoutMasterId r:id="rId26"/>
   </p:handoutMasterIdLst>
   <p:sldIdLst>
     <p:sldId id="572" r:id="rId2"/>
@@ -19,14 +19,21 @@
     <p:sldId id="786" r:id="rId7"/>
     <p:sldId id="793" r:id="rId8"/>
     <p:sldId id="787" r:id="rId9"/>
-    <p:sldId id="791" r:id="rId10"/>
-    <p:sldId id="788" r:id="rId11"/>
-    <p:sldId id="794" r:id="rId12"/>
-    <p:sldId id="789" r:id="rId13"/>
-    <p:sldId id="795" r:id="rId14"/>
-    <p:sldId id="790" r:id="rId15"/>
-    <p:sldId id="796" r:id="rId16"/>
-    <p:sldId id="798" r:id="rId17"/>
+    <p:sldId id="799" r:id="rId10"/>
+    <p:sldId id="801" r:id="rId11"/>
+    <p:sldId id="802" r:id="rId12"/>
+    <p:sldId id="803" r:id="rId13"/>
+    <p:sldId id="806" r:id="rId14"/>
+    <p:sldId id="804" r:id="rId15"/>
+    <p:sldId id="805" r:id="rId16"/>
+    <p:sldId id="791" r:id="rId17"/>
+    <p:sldId id="788" r:id="rId18"/>
+    <p:sldId id="794" r:id="rId19"/>
+    <p:sldId id="789" r:id="rId20"/>
+    <p:sldId id="795" r:id="rId21"/>
+    <p:sldId id="790" r:id="rId22"/>
+    <p:sldId id="796" r:id="rId23"/>
+    <p:sldId id="798" r:id="rId24"/>
   </p:sldIdLst>
   <p:sldSz cx="9144000" cy="6858000" type="screen4x3"/>
   <p:notesSz cx="7077075" cy="9363075"/>
@@ -15012,7 +15019,7 @@
           <p:cNvPr id="2" name="Espaço Reservado para Texto 1">
             <a:extLst>
               <a:ext uri="{FF2B5EF4-FFF2-40B4-BE49-F238E27FC236}">
-                <a16:creationId xmlns:a16="http://schemas.microsoft.com/office/drawing/2014/main" id="{800D13B5-6CA4-4169-A9BC-D90E41A65A0A}"/>
+                <a16:creationId xmlns:a16="http://schemas.microsoft.com/office/drawing/2014/main" id="{6E7D4E4A-DF52-4608-B60C-E5E50C647016}"/>
               </a:ext>
             </a:extLst>
           </p:cNvPr>
@@ -15031,7 +15038,7 @@
             <a:pPr algn="ctr"/>
             <a:r>
               <a:rPr lang="pt-BR" dirty="0"/>
-              <a:t>Aplicabilidade e Impacto</a:t>
+              <a:t>Resultados e Discussões</a:t>
             </a:r>
           </a:p>
         </p:txBody>
@@ -15041,7 +15048,7 @@
           <p:cNvPr id="3" name="Espaço Reservado para Texto 2">
             <a:extLst>
               <a:ext uri="{FF2B5EF4-FFF2-40B4-BE49-F238E27FC236}">
-                <a16:creationId xmlns:a16="http://schemas.microsoft.com/office/drawing/2014/main" id="{5CA696B6-7DA5-46A5-80E7-029387116E6C}"/>
+                <a16:creationId xmlns:a16="http://schemas.microsoft.com/office/drawing/2014/main" id="{00CA858A-C0B6-41A4-A288-4D52CD80A743}"/>
               </a:ext>
             </a:extLst>
           </p:cNvPr>
@@ -15052,57 +15059,15 @@
             <p:ph type="body" sz="quarter" idx="12"/>
           </p:nvPr>
         </p:nvSpPr>
-        <p:spPr>
-          <a:xfrm>
-            <a:off x="440191" y="905885"/>
-            <a:ext cx="8297409" cy="5641504"/>
-          </a:xfrm>
-        </p:spPr>
+        <p:spPr/>
         <p:txBody>
           <a:bodyPr/>
           <a:lstStyle/>
           <a:p>
-            <a:endParaRPr lang="pt-BR" sz="2600" b="0" i="0" dirty="0">
-              <a:solidFill>
-                <a:srgbClr val="374151"/>
-              </a:solidFill>
-              <a:effectLst/>
-              <a:latin typeface="Söhne"/>
-            </a:endParaRPr>
-          </a:p>
-          <a:p>
-            <a:r>
-              <a:rPr lang="pt-BR" sz="2600" b="0" dirty="0">
-                <a:solidFill>
-                  <a:srgbClr val="374151"/>
-                </a:solidFill>
-                <a:latin typeface="Söhne"/>
-              </a:rPr>
-              <a:t>Nossa analise observou que os serviços oferecidos pelos estabelecimentos credenciados de cada localidade estão associados a redução de casos de malformações congênitas. </a:t>
-            </a:r>
-          </a:p>
-          <a:p>
-            <a:r>
-              <a:rPr lang="pt-BR" sz="2600" b="0" dirty="0">
-                <a:solidFill>
-                  <a:srgbClr val="374151"/>
-                </a:solidFill>
-                <a:latin typeface="Söhne"/>
-              </a:rPr>
-              <a:t>Nossos resultados indicam que uma melhor distribuição dos serviços de saúde credenciados podem auxiliar a definição de politicas publicas no sentido da redução dos casos de malformações congênitas no Brasil.</a:t>
-            </a:r>
-          </a:p>
-          <a:p>
-            <a:r>
-              <a:rPr lang="pt-BR" sz="2600" b="0" dirty="0">
-                <a:solidFill>
-                  <a:srgbClr val="374151"/>
-                </a:solidFill>
-                <a:latin typeface="Söhne"/>
-              </a:rPr>
-              <a:t>Predição....</a:t>
-            </a:r>
-            <a:endParaRPr lang="pt-BR" sz="2600" dirty="0"/>
+            <a:r>
+              <a:rPr lang="pt-BR" dirty="0"/>
+              <a:t>Mapeamento da proporção de grupo de malformação por nascimento</a:t>
+            </a:r>
           </a:p>
         </p:txBody>
       </p:sp>
@@ -15111,7 +15076,7 @@
           <p:cNvPr id="4" name="Espaço Reservado para Número de Slide 3">
             <a:extLst>
               <a:ext uri="{FF2B5EF4-FFF2-40B4-BE49-F238E27FC236}">
-                <a16:creationId xmlns:a16="http://schemas.microsoft.com/office/drawing/2014/main" id="{A6BDDEC6-32DF-4E2A-8C1E-AFDECC6D6ED7}"/>
+                <a16:creationId xmlns:a16="http://schemas.microsoft.com/office/drawing/2014/main" id="{0BEAEC9A-63B6-4646-B2E5-3B905675A746}"/>
               </a:ext>
             </a:extLst>
           </p:cNvPr>
@@ -15144,7 +15109,7 @@
     </p:spTree>
     <p:extLst>
       <p:ext uri="{BB962C8B-B14F-4D97-AF65-F5344CB8AC3E}">
-        <p14:creationId xmlns:p14="http://schemas.microsoft.com/office/powerpoint/2010/main" val="1656545710"/>
+        <p14:creationId xmlns:p14="http://schemas.microsoft.com/office/powerpoint/2010/main" val="3840923716"/>
       </p:ext>
     </p:extLst>
   </p:cSld>
@@ -15158,6 +15123,998 @@
 </file>
 
 <file path=ppt/slides/slide11.xml><?xml version="1.0" encoding="utf-8"?>
+<p:sld xmlns:a="http://schemas.openxmlformats.org/drawingml/2006/main" xmlns:r="http://schemas.openxmlformats.org/officeDocument/2006/relationships" xmlns:p="http://schemas.openxmlformats.org/presentationml/2006/main">
+  <p:cSld>
+    <p:spTree>
+      <p:nvGrpSpPr>
+        <p:cNvPr id="1" name=""/>
+        <p:cNvGrpSpPr/>
+        <p:nvPr/>
+      </p:nvGrpSpPr>
+      <p:grpSpPr>
+        <a:xfrm>
+          <a:off x="0" y="0"/>
+          <a:ext cx="0" cy="0"/>
+          <a:chOff x="0" y="0"/>
+          <a:chExt cx="0" cy="0"/>
+        </a:xfrm>
+      </p:grpSpPr>
+      <p:sp>
+        <p:nvSpPr>
+          <p:cNvPr id="2" name="Espaço Reservado para Texto 1">
+            <a:extLst>
+              <a:ext uri="{FF2B5EF4-FFF2-40B4-BE49-F238E27FC236}">
+                <a16:creationId xmlns:a16="http://schemas.microsoft.com/office/drawing/2014/main" id="{6E7D4E4A-DF52-4608-B60C-E5E50C647016}"/>
+              </a:ext>
+            </a:extLst>
+          </p:cNvPr>
+          <p:cNvSpPr>
+            <a:spLocks noGrp="1"/>
+          </p:cNvSpPr>
+          <p:nvPr>
+            <p:ph type="body" sz="quarter" idx="11"/>
+          </p:nvPr>
+        </p:nvSpPr>
+        <p:spPr/>
+        <p:txBody>
+          <a:bodyPr/>
+          <a:lstStyle/>
+          <a:p>
+            <a:pPr algn="ctr"/>
+            <a:r>
+              <a:rPr lang="pt-BR" dirty="0"/>
+              <a:t>Resultados e Discussões</a:t>
+            </a:r>
+          </a:p>
+        </p:txBody>
+      </p:sp>
+      <p:sp>
+        <p:nvSpPr>
+          <p:cNvPr id="3" name="Espaço Reservado para Texto 2">
+            <a:extLst>
+              <a:ext uri="{FF2B5EF4-FFF2-40B4-BE49-F238E27FC236}">
+                <a16:creationId xmlns:a16="http://schemas.microsoft.com/office/drawing/2014/main" id="{00CA858A-C0B6-41A4-A288-4D52CD80A743}"/>
+              </a:ext>
+            </a:extLst>
+          </p:cNvPr>
+          <p:cNvSpPr>
+            <a:spLocks noGrp="1"/>
+          </p:cNvSpPr>
+          <p:nvPr>
+            <p:ph type="body" sz="quarter" idx="12"/>
+          </p:nvPr>
+        </p:nvSpPr>
+        <p:spPr/>
+        <p:txBody>
+          <a:bodyPr/>
+          <a:lstStyle/>
+          <a:p>
+            <a:r>
+              <a:rPr lang="pt-BR" dirty="0"/>
+              <a:t>Cobertura de estabelecimentos especializados </a:t>
+            </a:r>
+          </a:p>
+        </p:txBody>
+      </p:sp>
+      <p:sp>
+        <p:nvSpPr>
+          <p:cNvPr id="4" name="Espaço Reservado para Número de Slide 3">
+            <a:extLst>
+              <a:ext uri="{FF2B5EF4-FFF2-40B4-BE49-F238E27FC236}">
+                <a16:creationId xmlns:a16="http://schemas.microsoft.com/office/drawing/2014/main" id="{0BEAEC9A-63B6-4646-B2E5-3B905675A746}"/>
+              </a:ext>
+            </a:extLst>
+          </p:cNvPr>
+          <p:cNvSpPr>
+            <a:spLocks noGrp="1"/>
+          </p:cNvSpPr>
+          <p:nvPr>
+            <p:ph type="sldNum" sz="quarter" idx="13"/>
+          </p:nvPr>
+        </p:nvSpPr>
+        <p:spPr/>
+        <p:txBody>
+          <a:bodyPr/>
+          <a:lstStyle/>
+          <a:p>
+            <a:pPr>
+              <a:defRPr/>
+            </a:pPr>
+            <a:fld id="{81A34151-D085-4FBF-8A8D-DE310635ECA0}" type="slidenum">
+              <a:rPr lang="pt-BR" smtClean="0"/>
+              <a:pPr>
+                <a:defRPr/>
+              </a:pPr>
+              <a:t>11</a:t>
+            </a:fld>
+            <a:endParaRPr lang="pt-BR"/>
+          </a:p>
+        </p:txBody>
+      </p:sp>
+    </p:spTree>
+    <p:extLst>
+      <p:ext uri="{BB962C8B-B14F-4D97-AF65-F5344CB8AC3E}">
+        <p14:creationId xmlns:p14="http://schemas.microsoft.com/office/powerpoint/2010/main" val="1008796416"/>
+      </p:ext>
+    </p:extLst>
+  </p:cSld>
+  <p:clrMapOvr>
+    <a:masterClrMapping/>
+  </p:clrMapOvr>
+  <p:transition spd="med">
+    <p:fade/>
+  </p:transition>
+</p:sld>
+</file>
+
+<file path=ppt/slides/slide12.xml><?xml version="1.0" encoding="utf-8"?>
+<p:sld xmlns:a="http://schemas.openxmlformats.org/drawingml/2006/main" xmlns:r="http://schemas.openxmlformats.org/officeDocument/2006/relationships" xmlns:p="http://schemas.openxmlformats.org/presentationml/2006/main">
+  <p:cSld>
+    <p:spTree>
+      <p:nvGrpSpPr>
+        <p:cNvPr id="1" name=""/>
+        <p:cNvGrpSpPr/>
+        <p:nvPr/>
+      </p:nvGrpSpPr>
+      <p:grpSpPr>
+        <a:xfrm>
+          <a:off x="0" y="0"/>
+          <a:ext cx="0" cy="0"/>
+          <a:chOff x="0" y="0"/>
+          <a:chExt cx="0" cy="0"/>
+        </a:xfrm>
+      </p:grpSpPr>
+      <p:sp>
+        <p:nvSpPr>
+          <p:cNvPr id="2" name="Espaço Reservado para Texto 1">
+            <a:extLst>
+              <a:ext uri="{FF2B5EF4-FFF2-40B4-BE49-F238E27FC236}">
+                <a16:creationId xmlns:a16="http://schemas.microsoft.com/office/drawing/2014/main" id="{6E7D4E4A-DF52-4608-B60C-E5E50C647016}"/>
+              </a:ext>
+            </a:extLst>
+          </p:cNvPr>
+          <p:cNvSpPr>
+            <a:spLocks noGrp="1"/>
+          </p:cNvSpPr>
+          <p:nvPr>
+            <p:ph type="body" sz="quarter" idx="11"/>
+          </p:nvPr>
+        </p:nvSpPr>
+        <p:spPr/>
+        <p:txBody>
+          <a:bodyPr/>
+          <a:lstStyle/>
+          <a:p>
+            <a:pPr algn="ctr"/>
+            <a:r>
+              <a:rPr lang="pt-BR" dirty="0"/>
+              <a:t>Resultados e Discussões</a:t>
+            </a:r>
+          </a:p>
+        </p:txBody>
+      </p:sp>
+      <p:sp>
+        <p:nvSpPr>
+          <p:cNvPr id="3" name="Espaço Reservado para Texto 2">
+            <a:extLst>
+              <a:ext uri="{FF2B5EF4-FFF2-40B4-BE49-F238E27FC236}">
+                <a16:creationId xmlns:a16="http://schemas.microsoft.com/office/drawing/2014/main" id="{00CA858A-C0B6-41A4-A288-4D52CD80A743}"/>
+              </a:ext>
+            </a:extLst>
+          </p:cNvPr>
+          <p:cNvSpPr>
+            <a:spLocks noGrp="1"/>
+          </p:cNvSpPr>
+          <p:nvPr>
+            <p:ph type="body" sz="quarter" idx="12"/>
+          </p:nvPr>
+        </p:nvSpPr>
+        <p:spPr/>
+        <p:txBody>
+          <a:bodyPr/>
+          <a:lstStyle/>
+          <a:p>
+            <a:r>
+              <a:rPr lang="pt-BR" dirty="0"/>
+              <a:t>Análise de impacto de </a:t>
+            </a:r>
+            <a:r>
+              <a:rPr lang="pt-BR" dirty="0" err="1"/>
+              <a:t>features</a:t>
+            </a:r>
+            <a:endParaRPr lang="pt-BR" dirty="0"/>
+          </a:p>
+        </p:txBody>
+      </p:sp>
+      <p:sp>
+        <p:nvSpPr>
+          <p:cNvPr id="4" name="Espaço Reservado para Número de Slide 3">
+            <a:extLst>
+              <a:ext uri="{FF2B5EF4-FFF2-40B4-BE49-F238E27FC236}">
+                <a16:creationId xmlns:a16="http://schemas.microsoft.com/office/drawing/2014/main" id="{0BEAEC9A-63B6-4646-B2E5-3B905675A746}"/>
+              </a:ext>
+            </a:extLst>
+          </p:cNvPr>
+          <p:cNvSpPr>
+            <a:spLocks noGrp="1"/>
+          </p:cNvSpPr>
+          <p:nvPr>
+            <p:ph type="sldNum" sz="quarter" idx="13"/>
+          </p:nvPr>
+        </p:nvSpPr>
+        <p:spPr/>
+        <p:txBody>
+          <a:bodyPr/>
+          <a:lstStyle/>
+          <a:p>
+            <a:pPr>
+              <a:defRPr/>
+            </a:pPr>
+            <a:fld id="{81A34151-D085-4FBF-8A8D-DE310635ECA0}" type="slidenum">
+              <a:rPr lang="pt-BR" smtClean="0"/>
+              <a:pPr>
+                <a:defRPr/>
+              </a:pPr>
+              <a:t>12</a:t>
+            </a:fld>
+            <a:endParaRPr lang="pt-BR"/>
+          </a:p>
+        </p:txBody>
+      </p:sp>
+      <p:sp>
+        <p:nvSpPr>
+          <p:cNvPr id="5" name="CaixaDeTexto 4">
+            <a:extLst>
+              <a:ext uri="{FF2B5EF4-FFF2-40B4-BE49-F238E27FC236}">
+                <a16:creationId xmlns:a16="http://schemas.microsoft.com/office/drawing/2014/main" id="{870B37A2-957C-4282-A1CD-05CC12357F2B}"/>
+              </a:ext>
+            </a:extLst>
+          </p:cNvPr>
+          <p:cNvSpPr txBox="1"/>
+          <p:nvPr/>
+        </p:nvSpPr>
+        <p:spPr>
+          <a:xfrm>
+            <a:off x="661012" y="1714347"/>
+            <a:ext cx="7821976" cy="3170099"/>
+          </a:xfrm>
+          <a:prstGeom prst="rect">
+            <a:avLst/>
+          </a:prstGeom>
+          <a:noFill/>
+        </p:spPr>
+        <p:txBody>
+          <a:bodyPr wrap="square" rtlCol="0">
+            <a:spAutoFit/>
+          </a:bodyPr>
+          <a:lstStyle/>
+          <a:p>
+            <a:r>
+              <a:rPr lang="pt-BR" dirty="0"/>
+              <a:t>Peso</a:t>
+            </a:r>
+          </a:p>
+          <a:p>
+            <a:r>
+              <a:rPr lang="pt-BR" dirty="0"/>
+              <a:t>APGAR1</a:t>
+            </a:r>
+          </a:p>
+          <a:p>
+            <a:r>
+              <a:rPr lang="pt-BR" dirty="0"/>
+              <a:t>UF</a:t>
+            </a:r>
+          </a:p>
+          <a:p>
+            <a:r>
+              <a:rPr lang="pt-BR" dirty="0"/>
+              <a:t>APGAR5</a:t>
+            </a:r>
+          </a:p>
+          <a:p>
+            <a:r>
+              <a:rPr lang="pt-BR" dirty="0" err="1"/>
+              <a:t>Def_gravidez</a:t>
+            </a:r>
+            <a:endParaRPr lang="pt-BR" dirty="0"/>
+          </a:p>
+          <a:p>
+            <a:r>
+              <a:rPr lang="pt-BR" dirty="0"/>
+              <a:t>TPAPRESENT</a:t>
+            </a:r>
+          </a:p>
+          <a:p>
+            <a:r>
+              <a:rPr lang="pt-BR" dirty="0" err="1"/>
+              <a:t>Def_raca_cor</a:t>
+            </a:r>
+            <a:endParaRPr lang="pt-BR" dirty="0"/>
+          </a:p>
+          <a:p>
+            <a:r>
+              <a:rPr lang="pt-BR" dirty="0"/>
+              <a:t>HDI_EDUC</a:t>
+            </a:r>
+          </a:p>
+          <a:p>
+            <a:r>
+              <a:rPr lang="pt-BR" dirty="0"/>
+              <a:t>TPROBSON</a:t>
+            </a:r>
+          </a:p>
+          <a:p>
+            <a:r>
+              <a:rPr lang="pt-BR" dirty="0"/>
+              <a:t>IDADEMAE</a:t>
+            </a:r>
+          </a:p>
+        </p:txBody>
+      </p:sp>
+    </p:spTree>
+    <p:extLst>
+      <p:ext uri="{BB962C8B-B14F-4D97-AF65-F5344CB8AC3E}">
+        <p14:creationId xmlns:p14="http://schemas.microsoft.com/office/powerpoint/2010/main" val="2634031959"/>
+      </p:ext>
+    </p:extLst>
+  </p:cSld>
+  <p:clrMapOvr>
+    <a:masterClrMapping/>
+  </p:clrMapOvr>
+  <p:transition spd="med">
+    <p:fade/>
+  </p:transition>
+</p:sld>
+</file>
+
+<file path=ppt/slides/slide13.xml><?xml version="1.0" encoding="utf-8"?>
+<p:sld xmlns:a="http://schemas.openxmlformats.org/drawingml/2006/main" xmlns:r="http://schemas.openxmlformats.org/officeDocument/2006/relationships" xmlns:p="http://schemas.openxmlformats.org/presentationml/2006/main" show="0">
+  <p:cSld>
+    <p:spTree>
+      <p:nvGrpSpPr>
+        <p:cNvPr id="1" name=""/>
+        <p:cNvGrpSpPr/>
+        <p:nvPr/>
+      </p:nvGrpSpPr>
+      <p:grpSpPr>
+        <a:xfrm>
+          <a:off x="0" y="0"/>
+          <a:ext cx="0" cy="0"/>
+          <a:chOff x="0" y="0"/>
+          <a:chExt cx="0" cy="0"/>
+        </a:xfrm>
+      </p:grpSpPr>
+      <p:sp>
+        <p:nvSpPr>
+          <p:cNvPr id="2" name="Espaço Reservado para Texto 1">
+            <a:extLst>
+              <a:ext uri="{FF2B5EF4-FFF2-40B4-BE49-F238E27FC236}">
+                <a16:creationId xmlns:a16="http://schemas.microsoft.com/office/drawing/2014/main" id="{B365F9D4-C07C-47C2-AD1A-6FA76AA37CFE}"/>
+              </a:ext>
+            </a:extLst>
+          </p:cNvPr>
+          <p:cNvSpPr>
+            <a:spLocks noGrp="1"/>
+          </p:cNvSpPr>
+          <p:nvPr>
+            <p:ph type="body" sz="quarter" idx="11"/>
+          </p:nvPr>
+        </p:nvSpPr>
+        <p:spPr/>
+        <p:txBody>
+          <a:bodyPr/>
+          <a:lstStyle/>
+          <a:p>
+            <a:endParaRPr lang="pt-BR"/>
+          </a:p>
+        </p:txBody>
+      </p:sp>
+      <p:sp>
+        <p:nvSpPr>
+          <p:cNvPr id="3" name="Espaço Reservado para Texto 2">
+            <a:extLst>
+              <a:ext uri="{FF2B5EF4-FFF2-40B4-BE49-F238E27FC236}">
+                <a16:creationId xmlns:a16="http://schemas.microsoft.com/office/drawing/2014/main" id="{6B2BFBDE-8067-48E3-BD2B-2DE675CCCC5E}"/>
+              </a:ext>
+            </a:extLst>
+          </p:cNvPr>
+          <p:cNvSpPr>
+            <a:spLocks noGrp="1"/>
+          </p:cNvSpPr>
+          <p:nvPr>
+            <p:ph type="body" sz="quarter" idx="12"/>
+          </p:nvPr>
+        </p:nvSpPr>
+        <p:spPr/>
+        <p:txBody>
+          <a:bodyPr/>
+          <a:lstStyle/>
+          <a:p>
+            <a:endParaRPr lang="pt-BR"/>
+          </a:p>
+        </p:txBody>
+      </p:sp>
+      <p:sp>
+        <p:nvSpPr>
+          <p:cNvPr id="4" name="Espaço Reservado para Número de Slide 3">
+            <a:extLst>
+              <a:ext uri="{FF2B5EF4-FFF2-40B4-BE49-F238E27FC236}">
+                <a16:creationId xmlns:a16="http://schemas.microsoft.com/office/drawing/2014/main" id="{0DC69C63-3BFB-45AC-9847-8D21EF331782}"/>
+              </a:ext>
+            </a:extLst>
+          </p:cNvPr>
+          <p:cNvSpPr>
+            <a:spLocks noGrp="1"/>
+          </p:cNvSpPr>
+          <p:nvPr>
+            <p:ph type="sldNum" sz="quarter" idx="13"/>
+          </p:nvPr>
+        </p:nvSpPr>
+        <p:spPr/>
+        <p:txBody>
+          <a:bodyPr/>
+          <a:lstStyle/>
+          <a:p>
+            <a:pPr>
+              <a:defRPr/>
+            </a:pPr>
+            <a:fld id="{81A34151-D085-4FBF-8A8D-DE310635ECA0}" type="slidenum">
+              <a:rPr lang="pt-BR" smtClean="0"/>
+              <a:pPr>
+                <a:defRPr/>
+              </a:pPr>
+              <a:t>13</a:t>
+            </a:fld>
+            <a:endParaRPr lang="pt-BR"/>
+          </a:p>
+        </p:txBody>
+      </p:sp>
+      <p:pic>
+        <p:nvPicPr>
+          <p:cNvPr id="6" name="Imagem 5">
+            <a:extLst>
+              <a:ext uri="{FF2B5EF4-FFF2-40B4-BE49-F238E27FC236}">
+                <a16:creationId xmlns:a16="http://schemas.microsoft.com/office/drawing/2014/main" id="{D0FDE8A6-E67F-42E1-A620-105EE3506480}"/>
+              </a:ext>
+            </a:extLst>
+          </p:cNvPr>
+          <p:cNvPicPr>
+            <a:picLocks noChangeAspect="1"/>
+          </p:cNvPicPr>
+          <p:nvPr/>
+        </p:nvPicPr>
+        <p:blipFill>
+          <a:blip r:embed="rId2"/>
+          <a:stretch>
+            <a:fillRect/>
+          </a:stretch>
+        </p:blipFill>
+        <p:spPr>
+          <a:xfrm>
+            <a:off x="0" y="1842622"/>
+            <a:ext cx="9144000" cy="4516813"/>
+          </a:xfrm>
+          <a:prstGeom prst="rect">
+            <a:avLst/>
+          </a:prstGeom>
+        </p:spPr>
+      </p:pic>
+    </p:spTree>
+    <p:extLst>
+      <p:ext uri="{BB962C8B-B14F-4D97-AF65-F5344CB8AC3E}">
+        <p14:creationId xmlns:p14="http://schemas.microsoft.com/office/powerpoint/2010/main" val="494703446"/>
+      </p:ext>
+    </p:extLst>
+  </p:cSld>
+  <p:clrMapOvr>
+    <a:masterClrMapping/>
+  </p:clrMapOvr>
+  <p:transition spd="med">
+    <p:fade/>
+  </p:transition>
+</p:sld>
+</file>
+
+<file path=ppt/slides/slide14.xml><?xml version="1.0" encoding="utf-8"?>
+<p:sld xmlns:a="http://schemas.openxmlformats.org/drawingml/2006/main" xmlns:r="http://schemas.openxmlformats.org/officeDocument/2006/relationships" xmlns:p="http://schemas.openxmlformats.org/presentationml/2006/main">
+  <p:cSld>
+    <p:spTree>
+      <p:nvGrpSpPr>
+        <p:cNvPr id="1" name=""/>
+        <p:cNvGrpSpPr/>
+        <p:nvPr/>
+      </p:nvGrpSpPr>
+      <p:grpSpPr>
+        <a:xfrm>
+          <a:off x="0" y="0"/>
+          <a:ext cx="0" cy="0"/>
+          <a:chOff x="0" y="0"/>
+          <a:chExt cx="0" cy="0"/>
+        </a:xfrm>
+      </p:grpSpPr>
+      <p:sp>
+        <p:nvSpPr>
+          <p:cNvPr id="2" name="Espaço Reservado para Texto 1">
+            <a:extLst>
+              <a:ext uri="{FF2B5EF4-FFF2-40B4-BE49-F238E27FC236}">
+                <a16:creationId xmlns:a16="http://schemas.microsoft.com/office/drawing/2014/main" id="{6E7D4E4A-DF52-4608-B60C-E5E50C647016}"/>
+              </a:ext>
+            </a:extLst>
+          </p:cNvPr>
+          <p:cNvSpPr>
+            <a:spLocks noGrp="1"/>
+          </p:cNvSpPr>
+          <p:nvPr>
+            <p:ph type="body" sz="quarter" idx="11"/>
+          </p:nvPr>
+        </p:nvSpPr>
+        <p:spPr/>
+        <p:txBody>
+          <a:bodyPr/>
+          <a:lstStyle/>
+          <a:p>
+            <a:pPr algn="ctr"/>
+            <a:r>
+              <a:rPr lang="pt-BR" dirty="0"/>
+              <a:t>Resultados e Discussões</a:t>
+            </a:r>
+          </a:p>
+        </p:txBody>
+      </p:sp>
+      <p:sp>
+        <p:nvSpPr>
+          <p:cNvPr id="3" name="Espaço Reservado para Texto 2">
+            <a:extLst>
+              <a:ext uri="{FF2B5EF4-FFF2-40B4-BE49-F238E27FC236}">
+                <a16:creationId xmlns:a16="http://schemas.microsoft.com/office/drawing/2014/main" id="{00CA858A-C0B6-41A4-A288-4D52CD80A743}"/>
+              </a:ext>
+            </a:extLst>
+          </p:cNvPr>
+          <p:cNvSpPr>
+            <a:spLocks noGrp="1"/>
+          </p:cNvSpPr>
+          <p:nvPr>
+            <p:ph type="body" sz="quarter" idx="12"/>
+          </p:nvPr>
+        </p:nvSpPr>
+        <p:spPr/>
+        <p:txBody>
+          <a:bodyPr/>
+          <a:lstStyle/>
+          <a:p>
+            <a:r>
+              <a:rPr lang="pt-BR" dirty="0" err="1"/>
+              <a:t>Odds</a:t>
+            </a:r>
+            <a:r>
+              <a:rPr lang="pt-BR" dirty="0"/>
+              <a:t> </a:t>
+            </a:r>
+            <a:r>
+              <a:rPr lang="pt-BR" dirty="0" err="1"/>
+              <a:t>Ratio</a:t>
+            </a:r>
+            <a:r>
+              <a:rPr lang="pt-BR" dirty="0"/>
+              <a:t> das </a:t>
+            </a:r>
+            <a:r>
+              <a:rPr lang="pt-BR" dirty="0" err="1"/>
+              <a:t>features</a:t>
+            </a:r>
+            <a:r>
+              <a:rPr lang="pt-BR" dirty="0"/>
+              <a:t> mais importantes</a:t>
+            </a:r>
+          </a:p>
+        </p:txBody>
+      </p:sp>
+      <p:sp>
+        <p:nvSpPr>
+          <p:cNvPr id="4" name="Espaço Reservado para Número de Slide 3">
+            <a:extLst>
+              <a:ext uri="{FF2B5EF4-FFF2-40B4-BE49-F238E27FC236}">
+                <a16:creationId xmlns:a16="http://schemas.microsoft.com/office/drawing/2014/main" id="{0BEAEC9A-63B6-4646-B2E5-3B905675A746}"/>
+              </a:ext>
+            </a:extLst>
+          </p:cNvPr>
+          <p:cNvSpPr>
+            <a:spLocks noGrp="1"/>
+          </p:cNvSpPr>
+          <p:nvPr>
+            <p:ph type="sldNum" sz="quarter" idx="13"/>
+          </p:nvPr>
+        </p:nvSpPr>
+        <p:spPr/>
+        <p:txBody>
+          <a:bodyPr/>
+          <a:lstStyle/>
+          <a:p>
+            <a:pPr>
+              <a:defRPr/>
+            </a:pPr>
+            <a:fld id="{81A34151-D085-4FBF-8A8D-DE310635ECA0}" type="slidenum">
+              <a:rPr lang="pt-BR" smtClean="0"/>
+              <a:pPr>
+                <a:defRPr/>
+              </a:pPr>
+              <a:t>14</a:t>
+            </a:fld>
+            <a:endParaRPr lang="pt-BR"/>
+          </a:p>
+        </p:txBody>
+      </p:sp>
+      <p:sp>
+        <p:nvSpPr>
+          <p:cNvPr id="5" name="CaixaDeTexto 4">
+            <a:extLst>
+              <a:ext uri="{FF2B5EF4-FFF2-40B4-BE49-F238E27FC236}">
+                <a16:creationId xmlns:a16="http://schemas.microsoft.com/office/drawing/2014/main" id="{58540ABC-3490-410F-97B2-605F6370B270}"/>
+              </a:ext>
+            </a:extLst>
+          </p:cNvPr>
+          <p:cNvSpPr txBox="1"/>
+          <p:nvPr/>
+        </p:nvSpPr>
+        <p:spPr>
+          <a:xfrm>
+            <a:off x="661012" y="1714347"/>
+            <a:ext cx="7821976" cy="3785652"/>
+          </a:xfrm>
+          <a:prstGeom prst="rect">
+            <a:avLst/>
+          </a:prstGeom>
+          <a:noFill/>
+        </p:spPr>
+        <p:txBody>
+          <a:bodyPr wrap="square" rtlCol="0">
+            <a:spAutoFit/>
+          </a:bodyPr>
+          <a:lstStyle/>
+          <a:p>
+            <a:r>
+              <a:rPr lang="pt-BR" dirty="0"/>
+              <a:t>HDI_EDUC: 12.8 OR</a:t>
+            </a:r>
+          </a:p>
+          <a:p>
+            <a:r>
+              <a:rPr lang="pt-BR" dirty="0"/>
+              <a:t>UF-AP: 3.1 OR</a:t>
+            </a:r>
+          </a:p>
+          <a:p>
+            <a:r>
+              <a:rPr lang="pt-BR" dirty="0"/>
+              <a:t>INDÍGENA: 2.0 OR</a:t>
+            </a:r>
+          </a:p>
+          <a:p>
+            <a:r>
+              <a:rPr lang="pt-BR" dirty="0"/>
+              <a:t>UF-SE: 1.7 OR</a:t>
+            </a:r>
+          </a:p>
+          <a:p>
+            <a:r>
+              <a:rPr lang="pt-BR" dirty="0"/>
+              <a:t>UF-SP: 1.6 OR</a:t>
+            </a:r>
+          </a:p>
+          <a:p>
+            <a:r>
+              <a:rPr lang="pt-BR" dirty="0"/>
+              <a:t>Posição pélvico: 1.6 OR</a:t>
+            </a:r>
+          </a:p>
+          <a:p>
+            <a:r>
+              <a:rPr lang="pt-BR" dirty="0"/>
+              <a:t>UF-PE: 1.5 OR</a:t>
+            </a:r>
+          </a:p>
+          <a:p>
+            <a:r>
+              <a:rPr lang="pt-BR" dirty="0"/>
+              <a:t>Cor Preta: 1.5 OR</a:t>
+            </a:r>
+          </a:p>
+          <a:p>
+            <a:r>
+              <a:rPr lang="pt-BR" dirty="0"/>
+              <a:t>UF-MT: 0.68 OR</a:t>
+            </a:r>
+          </a:p>
+          <a:p>
+            <a:r>
+              <a:rPr lang="pt-BR" dirty="0"/>
+              <a:t>UF-MA: 0.66 OR</a:t>
+            </a:r>
+          </a:p>
+          <a:p>
+            <a:r>
+              <a:rPr lang="pt-BR" dirty="0"/>
+              <a:t>Gravidez Dupla: 0.63 OR</a:t>
+            </a:r>
+          </a:p>
+          <a:p>
+            <a:endParaRPr lang="pt-BR" dirty="0"/>
+          </a:p>
+        </p:txBody>
+      </p:sp>
+    </p:spTree>
+    <p:extLst>
+      <p:ext uri="{BB962C8B-B14F-4D97-AF65-F5344CB8AC3E}">
+        <p14:creationId xmlns:p14="http://schemas.microsoft.com/office/powerpoint/2010/main" val="3216240054"/>
+      </p:ext>
+    </p:extLst>
+  </p:cSld>
+  <p:clrMapOvr>
+    <a:masterClrMapping/>
+  </p:clrMapOvr>
+  <p:transition spd="med">
+    <p:fade/>
+  </p:transition>
+</p:sld>
+</file>
+
+<file path=ppt/slides/slide15.xml><?xml version="1.0" encoding="utf-8"?>
+<p:sld xmlns:a="http://schemas.openxmlformats.org/drawingml/2006/main" xmlns:r="http://schemas.openxmlformats.org/officeDocument/2006/relationships" xmlns:p="http://schemas.openxmlformats.org/presentationml/2006/main">
+  <p:cSld>
+    <p:spTree>
+      <p:nvGrpSpPr>
+        <p:cNvPr id="1" name=""/>
+        <p:cNvGrpSpPr/>
+        <p:nvPr/>
+      </p:nvGrpSpPr>
+      <p:grpSpPr>
+        <a:xfrm>
+          <a:off x="0" y="0"/>
+          <a:ext cx="0" cy="0"/>
+          <a:chOff x="0" y="0"/>
+          <a:chExt cx="0" cy="0"/>
+        </a:xfrm>
+      </p:grpSpPr>
+      <p:sp>
+        <p:nvSpPr>
+          <p:cNvPr id="2" name="Espaço Reservado para Texto 1">
+            <a:extLst>
+              <a:ext uri="{FF2B5EF4-FFF2-40B4-BE49-F238E27FC236}">
+                <a16:creationId xmlns:a16="http://schemas.microsoft.com/office/drawing/2014/main" id="{6E7D4E4A-DF52-4608-B60C-E5E50C647016}"/>
+              </a:ext>
+            </a:extLst>
+          </p:cNvPr>
+          <p:cNvSpPr>
+            <a:spLocks noGrp="1"/>
+          </p:cNvSpPr>
+          <p:nvPr>
+            <p:ph type="body" sz="quarter" idx="11"/>
+          </p:nvPr>
+        </p:nvSpPr>
+        <p:spPr/>
+        <p:txBody>
+          <a:bodyPr/>
+          <a:lstStyle/>
+          <a:p>
+            <a:pPr algn="ctr"/>
+            <a:r>
+              <a:rPr lang="pt-BR" dirty="0"/>
+              <a:t>Resultados e Discussões</a:t>
+            </a:r>
+          </a:p>
+        </p:txBody>
+      </p:sp>
+      <p:sp>
+        <p:nvSpPr>
+          <p:cNvPr id="3" name="Espaço Reservado para Texto 2">
+            <a:extLst>
+              <a:ext uri="{FF2B5EF4-FFF2-40B4-BE49-F238E27FC236}">
+                <a16:creationId xmlns:a16="http://schemas.microsoft.com/office/drawing/2014/main" id="{00CA858A-C0B6-41A4-A288-4D52CD80A743}"/>
+              </a:ext>
+            </a:extLst>
+          </p:cNvPr>
+          <p:cNvSpPr>
+            <a:spLocks noGrp="1"/>
+          </p:cNvSpPr>
+          <p:nvPr>
+            <p:ph type="body" sz="quarter" idx="12"/>
+          </p:nvPr>
+        </p:nvSpPr>
+        <p:spPr/>
+        <p:txBody>
+          <a:bodyPr/>
+          <a:lstStyle/>
+          <a:p>
+            <a:r>
+              <a:rPr lang="pt-BR" dirty="0"/>
+              <a:t>Predição</a:t>
+            </a:r>
+          </a:p>
+        </p:txBody>
+      </p:sp>
+      <p:sp>
+        <p:nvSpPr>
+          <p:cNvPr id="4" name="Espaço Reservado para Número de Slide 3">
+            <a:extLst>
+              <a:ext uri="{FF2B5EF4-FFF2-40B4-BE49-F238E27FC236}">
+                <a16:creationId xmlns:a16="http://schemas.microsoft.com/office/drawing/2014/main" id="{0BEAEC9A-63B6-4646-B2E5-3B905675A746}"/>
+              </a:ext>
+            </a:extLst>
+          </p:cNvPr>
+          <p:cNvSpPr>
+            <a:spLocks noGrp="1"/>
+          </p:cNvSpPr>
+          <p:nvPr>
+            <p:ph type="sldNum" sz="quarter" idx="13"/>
+          </p:nvPr>
+        </p:nvSpPr>
+        <p:spPr/>
+        <p:txBody>
+          <a:bodyPr/>
+          <a:lstStyle/>
+          <a:p>
+            <a:pPr>
+              <a:defRPr/>
+            </a:pPr>
+            <a:fld id="{81A34151-D085-4FBF-8A8D-DE310635ECA0}" type="slidenum">
+              <a:rPr lang="pt-BR" smtClean="0"/>
+              <a:pPr>
+                <a:defRPr/>
+              </a:pPr>
+              <a:t>15</a:t>
+            </a:fld>
+            <a:endParaRPr lang="pt-BR"/>
+          </a:p>
+        </p:txBody>
+      </p:sp>
+    </p:spTree>
+    <p:extLst>
+      <p:ext uri="{BB962C8B-B14F-4D97-AF65-F5344CB8AC3E}">
+        <p14:creationId xmlns:p14="http://schemas.microsoft.com/office/powerpoint/2010/main" val="3110581492"/>
+      </p:ext>
+    </p:extLst>
+  </p:cSld>
+  <p:clrMapOvr>
+    <a:masterClrMapping/>
+  </p:clrMapOvr>
+  <p:transition spd="med">
+    <p:fade/>
+  </p:transition>
+</p:sld>
+</file>
+
+<file path=ppt/slides/slide16.xml><?xml version="1.0" encoding="utf-8"?>
+<p:sld xmlns:a="http://schemas.openxmlformats.org/drawingml/2006/main" xmlns:r="http://schemas.openxmlformats.org/officeDocument/2006/relationships" xmlns:p="http://schemas.openxmlformats.org/presentationml/2006/main">
+  <p:cSld>
+    <p:spTree>
+      <p:nvGrpSpPr>
+        <p:cNvPr id="1" name=""/>
+        <p:cNvGrpSpPr/>
+        <p:nvPr/>
+      </p:nvGrpSpPr>
+      <p:grpSpPr>
+        <a:xfrm>
+          <a:off x="0" y="0"/>
+          <a:ext cx="0" cy="0"/>
+          <a:chOff x="0" y="0"/>
+          <a:chExt cx="0" cy="0"/>
+        </a:xfrm>
+      </p:grpSpPr>
+      <p:sp>
+        <p:nvSpPr>
+          <p:cNvPr id="2" name="Espaço Reservado para Texto 1">
+            <a:extLst>
+              <a:ext uri="{FF2B5EF4-FFF2-40B4-BE49-F238E27FC236}">
+                <a16:creationId xmlns:a16="http://schemas.microsoft.com/office/drawing/2014/main" id="{C1F8AE0D-A0C8-4BFB-BE2B-601FEF5A850D}"/>
+              </a:ext>
+            </a:extLst>
+          </p:cNvPr>
+          <p:cNvSpPr>
+            <a:spLocks noGrp="1"/>
+          </p:cNvSpPr>
+          <p:nvPr>
+            <p:ph type="body" sz="quarter" idx="11"/>
+          </p:nvPr>
+        </p:nvSpPr>
+        <p:spPr/>
+        <p:txBody>
+          <a:bodyPr/>
+          <a:lstStyle/>
+          <a:p>
+            <a:pPr algn="ctr"/>
+            <a:r>
+              <a:rPr lang="pt-BR" dirty="0"/>
+              <a:t>Resultados e Discussão </a:t>
+            </a:r>
+          </a:p>
+        </p:txBody>
+      </p:sp>
+      <p:sp>
+        <p:nvSpPr>
+          <p:cNvPr id="3" name="Espaço Reservado para Texto 2">
+            <a:extLst>
+              <a:ext uri="{FF2B5EF4-FFF2-40B4-BE49-F238E27FC236}">
+                <a16:creationId xmlns:a16="http://schemas.microsoft.com/office/drawing/2014/main" id="{0937E78C-CEDB-4FA8-9CBE-293F5BF55D21}"/>
+              </a:ext>
+            </a:extLst>
+          </p:cNvPr>
+          <p:cNvSpPr>
+            <a:spLocks noGrp="1"/>
+          </p:cNvSpPr>
+          <p:nvPr>
+            <p:ph type="body" sz="quarter" idx="12"/>
+          </p:nvPr>
+        </p:nvSpPr>
+        <p:spPr>
+          <a:xfrm>
+            <a:off x="440191" y="905886"/>
+            <a:ext cx="7976695" cy="5241526"/>
+          </a:xfrm>
+        </p:spPr>
+        <p:txBody>
+          <a:bodyPr/>
+          <a:lstStyle/>
+          <a:p>
+            <a:r>
+              <a:rPr lang="pt-BR" dirty="0"/>
+              <a:t>....</a:t>
+            </a:r>
+          </a:p>
+        </p:txBody>
+      </p:sp>
+      <p:sp>
+        <p:nvSpPr>
+          <p:cNvPr id="4" name="Espaço Reservado para Número de Slide 3">
+            <a:extLst>
+              <a:ext uri="{FF2B5EF4-FFF2-40B4-BE49-F238E27FC236}">
+                <a16:creationId xmlns:a16="http://schemas.microsoft.com/office/drawing/2014/main" id="{1A308790-5A53-478E-BAFB-D6523EEADD98}"/>
+              </a:ext>
+            </a:extLst>
+          </p:cNvPr>
+          <p:cNvSpPr>
+            <a:spLocks noGrp="1"/>
+          </p:cNvSpPr>
+          <p:nvPr>
+            <p:ph type="sldNum" sz="quarter" idx="13"/>
+          </p:nvPr>
+        </p:nvSpPr>
+        <p:spPr/>
+        <p:txBody>
+          <a:bodyPr/>
+          <a:lstStyle/>
+          <a:p>
+            <a:pPr>
+              <a:defRPr/>
+            </a:pPr>
+            <a:fld id="{81A34151-D085-4FBF-8A8D-DE310635ECA0}" type="slidenum">
+              <a:rPr lang="pt-BR" smtClean="0"/>
+              <a:pPr>
+                <a:defRPr/>
+              </a:pPr>
+              <a:t>16</a:t>
+            </a:fld>
+            <a:endParaRPr lang="pt-BR"/>
+          </a:p>
+        </p:txBody>
+      </p:sp>
+    </p:spTree>
+    <p:extLst>
+      <p:ext uri="{BB962C8B-B14F-4D97-AF65-F5344CB8AC3E}">
+        <p14:creationId xmlns:p14="http://schemas.microsoft.com/office/powerpoint/2010/main" val="1347496181"/>
+      </p:ext>
+    </p:extLst>
+  </p:cSld>
+  <p:clrMapOvr>
+    <a:masterClrMapping/>
+  </p:clrMapOvr>
+  <p:transition spd="med">
+    <p:fade/>
+  </p:transition>
+</p:sld>
+</file>
+
+<file path=ppt/slides/slide17.xml><?xml version="1.0" encoding="utf-8"?>
 <p:sld xmlns:a="http://schemas.openxmlformats.org/drawingml/2006/main" xmlns:r="http://schemas.openxmlformats.org/officeDocument/2006/relationships" xmlns:p="http://schemas.openxmlformats.org/presentationml/2006/main">
   <p:cSld>
     <p:spTree>
@@ -15197,26 +16154,9 @@
           <a:p>
             <a:pPr algn="ctr"/>
             <a:r>
-              <a:rPr lang="pt-BR" dirty="0" err="1"/>
-              <a:t>Applicability</a:t>
-            </a:r>
-            <a:r>
               <a:rPr lang="pt-BR" dirty="0"/>
-              <a:t> </a:t>
-            </a:r>
-            <a:r>
-              <a:rPr lang="pt-BR" dirty="0" err="1"/>
-              <a:t>and</a:t>
-            </a:r>
-            <a:r>
-              <a:rPr lang="pt-BR" dirty="0"/>
-              <a:t> </a:t>
-            </a:r>
-            <a:r>
-              <a:rPr lang="pt-BR" dirty="0" err="1"/>
-              <a:t>Impact</a:t>
-            </a:r>
-            <a:endParaRPr lang="pt-BR" dirty="0"/>
+              <a:t>Aplicabilidade e Impacto</a:t>
+            </a:r>
           </a:p>
         </p:txBody>
       </p:sp>
@@ -15246,35 +16186,47 @@
           <a:bodyPr/>
           <a:lstStyle/>
           <a:p>
-            <a:r>
-              <a:rPr lang="en-US" b="0" i="0" dirty="0">
-                <a:solidFill>
-                  <a:srgbClr val="374151"/>
-                </a:solidFill>
-                <a:effectLst/>
-                <a:latin typeface="Söhne"/>
-              </a:rPr>
-              <a:t>Our analysis found that the services offered by accredited establishments in each locality are associated with a reduction in cases of congenital malformations. Our results indicate that a better distribution of accredited health services can help define public policies aimed at reducing cases of congenital malformations in Brazil. </a:t>
-            </a:r>
-          </a:p>
-          <a:p>
-            <a:r>
-              <a:rPr lang="en-US" b="0" i="0" dirty="0">
-                <a:solidFill>
-                  <a:srgbClr val="374151"/>
-                </a:solidFill>
-                <a:effectLst/>
-                <a:latin typeface="Söhne"/>
-              </a:rPr>
-              <a:t>Prediction...</a:t>
-            </a:r>
-            <a:endParaRPr lang="pt-BR" b="0" i="0" dirty="0">
+            <a:endParaRPr lang="pt-BR" sz="2600" b="0" i="0" dirty="0">
               <a:solidFill>
                 <a:srgbClr val="374151"/>
               </a:solidFill>
               <a:effectLst/>
               <a:latin typeface="Söhne"/>
             </a:endParaRPr>
+          </a:p>
+          <a:p>
+            <a:r>
+              <a:rPr lang="pt-BR" sz="2600" b="0" dirty="0">
+                <a:solidFill>
+                  <a:srgbClr val="374151"/>
+                </a:solidFill>
+                <a:latin typeface="Söhne"/>
+              </a:rPr>
+              <a:t>Nossa analise observou que os serviços oferecidos pelos estabelecimentos credenciados de cada localidade estão associados a redução de casos de malformações congênitas. </a:t>
+            </a:r>
+          </a:p>
+          <a:p>
+            <a:r>
+              <a:rPr lang="pt-BR" sz="2600" b="0" dirty="0">
+                <a:solidFill>
+                  <a:srgbClr val="374151"/>
+                </a:solidFill>
+                <a:latin typeface="Söhne"/>
+              </a:rPr>
+              <a:t>Nossos resultados indicam que uma melhor distribuição dos serviços de saúde credenciados podem auxiliar a definição de politicas publicas no sentido da redução dos casos de malformações congênitas no Brasil.</a:t>
+            </a:r>
+          </a:p>
+          <a:p>
+            <a:r>
+              <a:rPr lang="pt-BR" sz="2600" b="0" dirty="0">
+                <a:solidFill>
+                  <a:srgbClr val="374151"/>
+                </a:solidFill>
+                <a:latin typeface="Söhne"/>
+              </a:rPr>
+              <a:t>Predição....</a:t>
+            </a:r>
+            <a:endParaRPr lang="pt-BR" sz="2600" dirty="0"/>
           </a:p>
         </p:txBody>
       </p:sp>
@@ -15307,7 +16259,179 @@
               <a:pPr>
                 <a:defRPr/>
               </a:pPr>
-              <a:t>11</a:t>
+              <a:t>17</a:t>
+            </a:fld>
+            <a:endParaRPr lang="pt-BR"/>
+          </a:p>
+        </p:txBody>
+      </p:sp>
+    </p:spTree>
+    <p:extLst>
+      <p:ext uri="{BB962C8B-B14F-4D97-AF65-F5344CB8AC3E}">
+        <p14:creationId xmlns:p14="http://schemas.microsoft.com/office/powerpoint/2010/main" val="1656545710"/>
+      </p:ext>
+    </p:extLst>
+  </p:cSld>
+  <p:clrMapOvr>
+    <a:masterClrMapping/>
+  </p:clrMapOvr>
+  <p:transition spd="med">
+    <p:fade/>
+  </p:transition>
+</p:sld>
+</file>
+
+<file path=ppt/slides/slide18.xml><?xml version="1.0" encoding="utf-8"?>
+<p:sld xmlns:a="http://schemas.openxmlformats.org/drawingml/2006/main" xmlns:r="http://schemas.openxmlformats.org/officeDocument/2006/relationships" xmlns:p="http://schemas.openxmlformats.org/presentationml/2006/main">
+  <p:cSld>
+    <p:spTree>
+      <p:nvGrpSpPr>
+        <p:cNvPr id="1" name=""/>
+        <p:cNvGrpSpPr/>
+        <p:nvPr/>
+      </p:nvGrpSpPr>
+      <p:grpSpPr>
+        <a:xfrm>
+          <a:off x="0" y="0"/>
+          <a:ext cx="0" cy="0"/>
+          <a:chOff x="0" y="0"/>
+          <a:chExt cx="0" cy="0"/>
+        </a:xfrm>
+      </p:grpSpPr>
+      <p:sp>
+        <p:nvSpPr>
+          <p:cNvPr id="2" name="Espaço Reservado para Texto 1">
+            <a:extLst>
+              <a:ext uri="{FF2B5EF4-FFF2-40B4-BE49-F238E27FC236}">
+                <a16:creationId xmlns:a16="http://schemas.microsoft.com/office/drawing/2014/main" id="{800D13B5-6CA4-4169-A9BC-D90E41A65A0A}"/>
+              </a:ext>
+            </a:extLst>
+          </p:cNvPr>
+          <p:cNvSpPr>
+            <a:spLocks noGrp="1"/>
+          </p:cNvSpPr>
+          <p:nvPr>
+            <p:ph type="body" sz="quarter" idx="11"/>
+          </p:nvPr>
+        </p:nvSpPr>
+        <p:spPr/>
+        <p:txBody>
+          <a:bodyPr/>
+          <a:lstStyle/>
+          <a:p>
+            <a:pPr algn="ctr"/>
+            <a:r>
+              <a:rPr lang="pt-BR" dirty="0" err="1"/>
+              <a:t>Applicability</a:t>
+            </a:r>
+            <a:r>
+              <a:rPr lang="pt-BR" dirty="0"/>
+              <a:t> </a:t>
+            </a:r>
+            <a:r>
+              <a:rPr lang="pt-BR" dirty="0" err="1"/>
+              <a:t>and</a:t>
+            </a:r>
+            <a:r>
+              <a:rPr lang="pt-BR" dirty="0"/>
+              <a:t> </a:t>
+            </a:r>
+            <a:r>
+              <a:rPr lang="pt-BR" dirty="0" err="1"/>
+              <a:t>Impact</a:t>
+            </a:r>
+            <a:endParaRPr lang="pt-BR" dirty="0"/>
+          </a:p>
+        </p:txBody>
+      </p:sp>
+      <p:sp>
+        <p:nvSpPr>
+          <p:cNvPr id="3" name="Espaço Reservado para Texto 2">
+            <a:extLst>
+              <a:ext uri="{FF2B5EF4-FFF2-40B4-BE49-F238E27FC236}">
+                <a16:creationId xmlns:a16="http://schemas.microsoft.com/office/drawing/2014/main" id="{5CA696B6-7DA5-46A5-80E7-029387116E6C}"/>
+              </a:ext>
+            </a:extLst>
+          </p:cNvPr>
+          <p:cNvSpPr>
+            <a:spLocks noGrp="1"/>
+          </p:cNvSpPr>
+          <p:nvPr>
+            <p:ph type="body" sz="quarter" idx="12"/>
+          </p:nvPr>
+        </p:nvSpPr>
+        <p:spPr>
+          <a:xfrm>
+            <a:off x="440191" y="905885"/>
+            <a:ext cx="8297409" cy="5641504"/>
+          </a:xfrm>
+        </p:spPr>
+        <p:txBody>
+          <a:bodyPr/>
+          <a:lstStyle/>
+          <a:p>
+            <a:r>
+              <a:rPr lang="en-US" b="0" i="0" dirty="0">
+                <a:solidFill>
+                  <a:srgbClr val="374151"/>
+                </a:solidFill>
+                <a:effectLst/>
+                <a:latin typeface="Söhne"/>
+              </a:rPr>
+              <a:t>Our analysis found that the services offered by accredited establishments in each locality are associated with a reduction in cases of congenital malformations. Our results indicate that a better distribution of accredited health services can help define public policies aimed at reducing cases of congenital malformations in Brazil. </a:t>
+            </a:r>
+          </a:p>
+          <a:p>
+            <a:r>
+              <a:rPr lang="en-US" b="0" i="0" dirty="0">
+                <a:solidFill>
+                  <a:srgbClr val="374151"/>
+                </a:solidFill>
+                <a:effectLst/>
+                <a:latin typeface="Söhne"/>
+              </a:rPr>
+              <a:t>Prediction...</a:t>
+            </a:r>
+            <a:endParaRPr lang="pt-BR" b="0" i="0" dirty="0">
+              <a:solidFill>
+                <a:srgbClr val="374151"/>
+              </a:solidFill>
+              <a:effectLst/>
+              <a:latin typeface="Söhne"/>
+            </a:endParaRPr>
+          </a:p>
+        </p:txBody>
+      </p:sp>
+      <p:sp>
+        <p:nvSpPr>
+          <p:cNvPr id="4" name="Espaço Reservado para Número de Slide 3">
+            <a:extLst>
+              <a:ext uri="{FF2B5EF4-FFF2-40B4-BE49-F238E27FC236}">
+                <a16:creationId xmlns:a16="http://schemas.microsoft.com/office/drawing/2014/main" id="{A6BDDEC6-32DF-4E2A-8C1E-AFDECC6D6ED7}"/>
+              </a:ext>
+            </a:extLst>
+          </p:cNvPr>
+          <p:cNvSpPr>
+            <a:spLocks noGrp="1"/>
+          </p:cNvSpPr>
+          <p:nvPr>
+            <p:ph type="sldNum" sz="quarter" idx="13"/>
+          </p:nvPr>
+        </p:nvSpPr>
+        <p:spPr/>
+        <p:txBody>
+          <a:bodyPr/>
+          <a:lstStyle/>
+          <a:p>
+            <a:pPr>
+              <a:defRPr/>
+            </a:pPr>
+            <a:fld id="{81A34151-D085-4FBF-8A8D-DE310635ECA0}" type="slidenum">
+              <a:rPr lang="pt-BR" smtClean="0"/>
+              <a:pPr>
+                <a:defRPr/>
+              </a:pPr>
+              <a:t>18</a:t>
             </a:fld>
             <a:endParaRPr lang="pt-BR"/>
           </a:p>
@@ -15329,7 +16453,7 @@
 </p:sld>
 </file>
 
-<file path=ppt/slides/slide12.xml><?xml version="1.0" encoding="utf-8"?>
+<file path=ppt/slides/slide19.xml><?xml version="1.0" encoding="utf-8"?>
 <p:sld xmlns:a="http://schemas.openxmlformats.org/drawingml/2006/main" xmlns:r="http://schemas.openxmlformats.org/officeDocument/2006/relationships" xmlns:p="http://schemas.openxmlformats.org/presentationml/2006/main">
   <p:cSld>
     <p:spTree>
@@ -15511,7 +16635,7 @@
               <a:pPr>
                 <a:defRPr/>
               </a:pPr>
-              <a:t>12</a:t>
+              <a:t>19</a:t>
             </a:fld>
             <a:endParaRPr lang="pt-BR"/>
           </a:p>
@@ -15521,863 +16645,6 @@
     <p:extLst>
       <p:ext uri="{BB962C8B-B14F-4D97-AF65-F5344CB8AC3E}">
         <p14:creationId xmlns:p14="http://schemas.microsoft.com/office/powerpoint/2010/main" val="2326896100"/>
-      </p:ext>
-    </p:extLst>
-  </p:cSld>
-  <p:clrMapOvr>
-    <a:masterClrMapping/>
-  </p:clrMapOvr>
-  <p:transition spd="med">
-    <p:fade/>
-  </p:transition>
-</p:sld>
-</file>
-
-<file path=ppt/slides/slide13.xml><?xml version="1.0" encoding="utf-8"?>
-<p:sld xmlns:a="http://schemas.openxmlformats.org/drawingml/2006/main" xmlns:r="http://schemas.openxmlformats.org/officeDocument/2006/relationships" xmlns:p="http://schemas.openxmlformats.org/presentationml/2006/main">
-  <p:cSld>
-    <p:spTree>
-      <p:nvGrpSpPr>
-        <p:cNvPr id="1" name=""/>
-        <p:cNvGrpSpPr/>
-        <p:nvPr/>
-      </p:nvGrpSpPr>
-      <p:grpSpPr>
-        <a:xfrm>
-          <a:off x="0" y="0"/>
-          <a:ext cx="0" cy="0"/>
-          <a:chOff x="0" y="0"/>
-          <a:chExt cx="0" cy="0"/>
-        </a:xfrm>
-      </p:grpSpPr>
-      <p:sp>
-        <p:nvSpPr>
-          <p:cNvPr id="2" name="Espaço Reservado para Texto 1">
-            <a:extLst>
-              <a:ext uri="{FF2B5EF4-FFF2-40B4-BE49-F238E27FC236}">
-                <a16:creationId xmlns:a16="http://schemas.microsoft.com/office/drawing/2014/main" id="{3F114319-84C9-4AAF-AFA3-783D2248EEE2}"/>
-              </a:ext>
-            </a:extLst>
-          </p:cNvPr>
-          <p:cNvSpPr>
-            <a:spLocks noGrp="1"/>
-          </p:cNvSpPr>
-          <p:nvPr>
-            <p:ph type="body" sz="quarter" idx="11"/>
-          </p:nvPr>
-        </p:nvSpPr>
-        <p:spPr/>
-        <p:txBody>
-          <a:bodyPr/>
-          <a:lstStyle/>
-          <a:p>
-            <a:pPr algn="ctr"/>
-            <a:r>
-              <a:rPr lang="pt-BR" dirty="0" err="1"/>
-              <a:t>Challenges</a:t>
-            </a:r>
-            <a:r>
-              <a:rPr lang="pt-BR" b="0" i="0" dirty="0">
-                <a:solidFill>
-                  <a:srgbClr val="374151"/>
-                </a:solidFill>
-                <a:effectLst/>
-                <a:latin typeface="Söhne"/>
-              </a:rPr>
-              <a:t> </a:t>
-            </a:r>
-            <a:r>
-              <a:rPr lang="pt-BR" dirty="0" err="1"/>
-              <a:t>and</a:t>
-            </a:r>
-            <a:r>
-              <a:rPr lang="pt-BR" dirty="0"/>
-              <a:t> Next </a:t>
-            </a:r>
-            <a:r>
-              <a:rPr lang="pt-BR" dirty="0" err="1"/>
-              <a:t>Steps</a:t>
-            </a:r>
-            <a:endParaRPr lang="pt-BR" dirty="0"/>
-          </a:p>
-        </p:txBody>
-      </p:sp>
-      <p:sp>
-        <p:nvSpPr>
-          <p:cNvPr id="3" name="Espaço Reservado para Texto 2">
-            <a:extLst>
-              <a:ext uri="{FF2B5EF4-FFF2-40B4-BE49-F238E27FC236}">
-                <a16:creationId xmlns:a16="http://schemas.microsoft.com/office/drawing/2014/main" id="{453A38C8-FF32-47F3-A34B-D2FFB225B9BE}"/>
-              </a:ext>
-            </a:extLst>
-          </p:cNvPr>
-          <p:cNvSpPr>
-            <a:spLocks noGrp="1"/>
-          </p:cNvSpPr>
-          <p:nvPr>
-            <p:ph type="body" sz="quarter" idx="12"/>
-          </p:nvPr>
-        </p:nvSpPr>
-        <p:spPr>
-          <a:xfrm>
-            <a:off x="440191" y="905885"/>
-            <a:ext cx="8053813" cy="5461863"/>
-          </a:xfrm>
-        </p:spPr>
-        <p:txBody>
-          <a:bodyPr/>
-          <a:lstStyle/>
-          <a:p>
-            <a:pPr marL="457200" indent="-457200">
-              <a:buFont typeface="Wingdings" panose="05000000000000000000" pitchFamily="2" charset="2"/>
-              <a:buChar char="§"/>
-            </a:pPr>
-            <a:endParaRPr lang="pt-BR" dirty="0"/>
-          </a:p>
-          <a:p>
-            <a:pPr marL="457200" indent="-457200">
-              <a:buFont typeface="Wingdings" panose="05000000000000000000" pitchFamily="2" charset="2"/>
-              <a:buChar char="§"/>
-            </a:pPr>
-            <a:r>
-              <a:rPr lang="en-US" b="0" i="0" dirty="0">
-                <a:solidFill>
-                  <a:srgbClr val="374151"/>
-                </a:solidFill>
-                <a:effectLst/>
-                <a:latin typeface="Söhne"/>
-              </a:rPr>
-              <a:t>Volume of databases; </a:t>
-            </a:r>
-          </a:p>
-          <a:p>
-            <a:pPr marL="457200" indent="-457200">
-              <a:buFont typeface="Wingdings" panose="05000000000000000000" pitchFamily="2" charset="2"/>
-              <a:buChar char="§"/>
-            </a:pPr>
-            <a:r>
-              <a:rPr lang="en-US" b="0" i="0" dirty="0">
-                <a:solidFill>
-                  <a:srgbClr val="374151"/>
-                </a:solidFill>
-                <a:effectLst/>
-                <a:latin typeface="Söhne"/>
-              </a:rPr>
-              <a:t>Handling missing data; </a:t>
-            </a:r>
-          </a:p>
-          <a:p>
-            <a:pPr marL="457200" indent="-457200">
-              <a:buFont typeface="Wingdings" panose="05000000000000000000" pitchFamily="2" charset="2"/>
-              <a:buChar char="§"/>
-            </a:pPr>
-            <a:r>
-              <a:rPr lang="en-US" b="0" i="0" dirty="0">
-                <a:solidFill>
-                  <a:srgbClr val="374151"/>
-                </a:solidFill>
-                <a:effectLst/>
-                <a:latin typeface="Söhne"/>
-              </a:rPr>
-              <a:t>Number of variables; </a:t>
-            </a:r>
-          </a:p>
-          <a:p>
-            <a:pPr marL="457200" indent="-457200">
-              <a:buFont typeface="Wingdings" panose="05000000000000000000" pitchFamily="2" charset="2"/>
-              <a:buChar char="§"/>
-            </a:pPr>
-            <a:r>
-              <a:rPr lang="en-US" b="0" i="0" dirty="0">
-                <a:solidFill>
-                  <a:srgbClr val="374151"/>
-                </a:solidFill>
-                <a:effectLst/>
-                <a:latin typeface="Söhne"/>
-              </a:rPr>
-              <a:t>Understanding of data and variables; </a:t>
-            </a:r>
-          </a:p>
-          <a:p>
-            <a:pPr marL="457200" indent="-457200">
-              <a:buFont typeface="Wingdings" panose="05000000000000000000" pitchFamily="2" charset="2"/>
-              <a:buChar char="§"/>
-            </a:pPr>
-            <a:r>
-              <a:rPr lang="en-US" b="0" i="0" dirty="0">
-                <a:solidFill>
-                  <a:srgbClr val="374151"/>
-                </a:solidFill>
-                <a:effectLst/>
-                <a:latin typeface="Söhne"/>
-              </a:rPr>
-              <a:t>Creating relationships between databases; </a:t>
-            </a:r>
-          </a:p>
-          <a:p>
-            <a:pPr marL="457200" indent="-457200">
-              <a:buFont typeface="Wingdings" panose="05000000000000000000" pitchFamily="2" charset="2"/>
-              <a:buChar char="§"/>
-            </a:pPr>
-            <a:r>
-              <a:rPr lang="en-US" b="0" i="0" dirty="0">
-                <a:solidFill>
-                  <a:srgbClr val="374151"/>
-                </a:solidFill>
-                <a:effectLst/>
-                <a:latin typeface="Söhne"/>
-              </a:rPr>
-              <a:t>Domain knowledge; </a:t>
-            </a:r>
-          </a:p>
-          <a:p>
-            <a:pPr marL="457200" indent="-457200">
-              <a:buFont typeface="Wingdings" panose="05000000000000000000" pitchFamily="2" charset="2"/>
-              <a:buChar char="§"/>
-            </a:pPr>
-            <a:r>
-              <a:rPr lang="en-US" b="0" i="0" dirty="0">
-                <a:solidFill>
-                  <a:srgbClr val="374151"/>
-                </a:solidFill>
-                <a:effectLst/>
-                <a:latin typeface="Söhne"/>
-              </a:rPr>
-              <a:t>Time.</a:t>
-            </a:r>
-            <a:endParaRPr lang="pt-BR" dirty="0"/>
-          </a:p>
-        </p:txBody>
-      </p:sp>
-      <p:sp>
-        <p:nvSpPr>
-          <p:cNvPr id="4" name="Espaço Reservado para Número de Slide 3">
-            <a:extLst>
-              <a:ext uri="{FF2B5EF4-FFF2-40B4-BE49-F238E27FC236}">
-                <a16:creationId xmlns:a16="http://schemas.microsoft.com/office/drawing/2014/main" id="{1A8282DD-4BB5-4B93-BA4D-924DAA6C40FE}"/>
-              </a:ext>
-            </a:extLst>
-          </p:cNvPr>
-          <p:cNvSpPr>
-            <a:spLocks noGrp="1"/>
-          </p:cNvSpPr>
-          <p:nvPr>
-            <p:ph type="sldNum" sz="quarter" idx="13"/>
-          </p:nvPr>
-        </p:nvSpPr>
-        <p:spPr/>
-        <p:txBody>
-          <a:bodyPr/>
-          <a:lstStyle/>
-          <a:p>
-            <a:pPr>
-              <a:defRPr/>
-            </a:pPr>
-            <a:fld id="{81A34151-D085-4FBF-8A8D-DE310635ECA0}" type="slidenum">
-              <a:rPr lang="pt-BR" smtClean="0"/>
-              <a:pPr>
-                <a:defRPr/>
-              </a:pPr>
-              <a:t>13</a:t>
-            </a:fld>
-            <a:endParaRPr lang="pt-BR"/>
-          </a:p>
-        </p:txBody>
-      </p:sp>
-    </p:spTree>
-    <p:extLst>
-      <p:ext uri="{BB962C8B-B14F-4D97-AF65-F5344CB8AC3E}">
-        <p14:creationId xmlns:p14="http://schemas.microsoft.com/office/powerpoint/2010/main" val="3676685781"/>
-      </p:ext>
-    </p:extLst>
-  </p:cSld>
-  <p:clrMapOvr>
-    <a:masterClrMapping/>
-  </p:clrMapOvr>
-  <p:transition spd="med">
-    <p:fade/>
-  </p:transition>
-</p:sld>
-</file>
-
-<file path=ppt/slides/slide14.xml><?xml version="1.0" encoding="utf-8"?>
-<p:sld xmlns:a="http://schemas.openxmlformats.org/drawingml/2006/main" xmlns:r="http://schemas.openxmlformats.org/officeDocument/2006/relationships" xmlns:p="http://schemas.openxmlformats.org/presentationml/2006/main">
-  <p:cSld>
-    <p:spTree>
-      <p:nvGrpSpPr>
-        <p:cNvPr id="1" name=""/>
-        <p:cNvGrpSpPr/>
-        <p:nvPr/>
-      </p:nvGrpSpPr>
-      <p:grpSpPr>
-        <a:xfrm>
-          <a:off x="0" y="0"/>
-          <a:ext cx="0" cy="0"/>
-          <a:chOff x="0" y="0"/>
-          <a:chExt cx="0" cy="0"/>
-        </a:xfrm>
-      </p:grpSpPr>
-      <p:sp>
-        <p:nvSpPr>
-          <p:cNvPr id="2" name="Espaço Reservado para Texto 1">
-            <a:extLst>
-              <a:ext uri="{FF2B5EF4-FFF2-40B4-BE49-F238E27FC236}">
-                <a16:creationId xmlns:a16="http://schemas.microsoft.com/office/drawing/2014/main" id="{3F114319-84C9-4AAF-AFA3-783D2248EEE2}"/>
-              </a:ext>
-            </a:extLst>
-          </p:cNvPr>
-          <p:cNvSpPr>
-            <a:spLocks noGrp="1"/>
-          </p:cNvSpPr>
-          <p:nvPr>
-            <p:ph type="body" sz="quarter" idx="11"/>
-          </p:nvPr>
-        </p:nvSpPr>
-        <p:spPr/>
-        <p:txBody>
-          <a:bodyPr/>
-          <a:lstStyle/>
-          <a:p>
-            <a:pPr algn="ctr"/>
-            <a:r>
-              <a:rPr lang="pt-BR" dirty="0"/>
-              <a:t>Desafios e Próximos Passos</a:t>
-            </a:r>
-          </a:p>
-        </p:txBody>
-      </p:sp>
-      <p:sp>
-        <p:nvSpPr>
-          <p:cNvPr id="3" name="Espaço Reservado para Texto 2">
-            <a:extLst>
-              <a:ext uri="{FF2B5EF4-FFF2-40B4-BE49-F238E27FC236}">
-                <a16:creationId xmlns:a16="http://schemas.microsoft.com/office/drawing/2014/main" id="{453A38C8-FF32-47F3-A34B-D2FFB225B9BE}"/>
-              </a:ext>
-            </a:extLst>
-          </p:cNvPr>
-          <p:cNvSpPr>
-            <a:spLocks noGrp="1"/>
-          </p:cNvSpPr>
-          <p:nvPr>
-            <p:ph type="body" sz="quarter" idx="12"/>
-          </p:nvPr>
-        </p:nvSpPr>
-        <p:spPr>
-          <a:xfrm>
-            <a:off x="440191" y="905885"/>
-            <a:ext cx="8053813" cy="5461863"/>
-          </a:xfrm>
-        </p:spPr>
-        <p:txBody>
-          <a:bodyPr/>
-          <a:lstStyle/>
-          <a:p>
-            <a:pPr marL="457200" indent="-457200">
-              <a:buFont typeface="Wingdings" panose="05000000000000000000" pitchFamily="2" charset="2"/>
-              <a:buChar char="§"/>
-            </a:pPr>
-            <a:endParaRPr lang="pt-BR" dirty="0"/>
-          </a:p>
-          <a:p>
-            <a:pPr marL="457200" indent="-457200">
-              <a:buFont typeface="Wingdings" panose="05000000000000000000" pitchFamily="2" charset="2"/>
-              <a:buChar char="§"/>
-            </a:pPr>
-            <a:r>
-              <a:rPr lang="pt-BR" dirty="0"/>
-              <a:t>Afinar a exploração e o tratamento dos dados;</a:t>
-            </a:r>
-          </a:p>
-          <a:p>
-            <a:pPr marL="457200" indent="-457200">
-              <a:buFont typeface="Wingdings" panose="05000000000000000000" pitchFamily="2" charset="2"/>
-              <a:buChar char="§"/>
-            </a:pPr>
-            <a:r>
-              <a:rPr lang="pt-BR" dirty="0"/>
-              <a:t>Investir no entendimento dos dados;</a:t>
-            </a:r>
-          </a:p>
-          <a:p>
-            <a:pPr marL="457200" indent="-457200">
-              <a:buFont typeface="Wingdings" panose="05000000000000000000" pitchFamily="2" charset="2"/>
-              <a:buChar char="§"/>
-            </a:pPr>
-            <a:r>
-              <a:rPr lang="pt-BR" dirty="0"/>
-              <a:t>Melhorar o desempenho dos modelos utilizados;</a:t>
-            </a:r>
-          </a:p>
-          <a:p>
-            <a:pPr marL="457200" indent="-457200">
-              <a:buFont typeface="Wingdings" panose="05000000000000000000" pitchFamily="2" charset="2"/>
-              <a:buChar char="§"/>
-            </a:pPr>
-            <a:r>
-              <a:rPr lang="pt-BR" dirty="0"/>
-              <a:t>Explorar os resultados obtidos, gerando novas hipóteses, </a:t>
-            </a:r>
-            <a:r>
-              <a:rPr lang="pt-BR" dirty="0" err="1"/>
-              <a:t>Ex</a:t>
-            </a:r>
-            <a:r>
-              <a:rPr lang="pt-BR" dirty="0"/>
-              <a:t>: Segundo G1, 2019 a maior incidências de casos de malformações congênitas no ano de 2019 no estado do Amapá;</a:t>
-            </a:r>
-          </a:p>
-          <a:p>
-            <a:pPr marL="457200" indent="-457200">
-              <a:buFont typeface="Wingdings" panose="05000000000000000000" pitchFamily="2" charset="2"/>
-              <a:buChar char="§"/>
-            </a:pPr>
-            <a:r>
-              <a:rPr lang="pt-BR" dirty="0"/>
-              <a:t>Trabalhar no desenvolvimento e </a:t>
-            </a:r>
-            <a:r>
-              <a:rPr lang="pt-BR" i="1" dirty="0"/>
-              <a:t>Deployment </a:t>
-            </a:r>
-            <a:r>
-              <a:rPr lang="pt-BR" dirty="0"/>
-              <a:t>de uma aplicação.</a:t>
-            </a:r>
-          </a:p>
-          <a:p>
-            <a:endParaRPr lang="pt-BR" dirty="0"/>
-          </a:p>
-          <a:p>
-            <a:pPr marL="457200" indent="-457200">
-              <a:buFont typeface="Wingdings" panose="05000000000000000000" pitchFamily="2" charset="2"/>
-              <a:buChar char="§"/>
-            </a:pPr>
-            <a:endParaRPr lang="pt-BR" dirty="0"/>
-          </a:p>
-        </p:txBody>
-      </p:sp>
-      <p:sp>
-        <p:nvSpPr>
-          <p:cNvPr id="4" name="Espaço Reservado para Número de Slide 3">
-            <a:extLst>
-              <a:ext uri="{FF2B5EF4-FFF2-40B4-BE49-F238E27FC236}">
-                <a16:creationId xmlns:a16="http://schemas.microsoft.com/office/drawing/2014/main" id="{1A8282DD-4BB5-4B93-BA4D-924DAA6C40FE}"/>
-              </a:ext>
-            </a:extLst>
-          </p:cNvPr>
-          <p:cNvSpPr>
-            <a:spLocks noGrp="1"/>
-          </p:cNvSpPr>
-          <p:nvPr>
-            <p:ph type="sldNum" sz="quarter" idx="13"/>
-          </p:nvPr>
-        </p:nvSpPr>
-        <p:spPr/>
-        <p:txBody>
-          <a:bodyPr/>
-          <a:lstStyle/>
-          <a:p>
-            <a:pPr>
-              <a:defRPr/>
-            </a:pPr>
-            <a:fld id="{81A34151-D085-4FBF-8A8D-DE310635ECA0}" type="slidenum">
-              <a:rPr lang="pt-BR" smtClean="0"/>
-              <a:pPr>
-                <a:defRPr/>
-              </a:pPr>
-              <a:t>14</a:t>
-            </a:fld>
-            <a:endParaRPr lang="pt-BR"/>
-          </a:p>
-        </p:txBody>
-      </p:sp>
-    </p:spTree>
-    <p:extLst>
-      <p:ext uri="{BB962C8B-B14F-4D97-AF65-F5344CB8AC3E}">
-        <p14:creationId xmlns:p14="http://schemas.microsoft.com/office/powerpoint/2010/main" val="3151775820"/>
-      </p:ext>
-    </p:extLst>
-  </p:cSld>
-  <p:clrMapOvr>
-    <a:masterClrMapping/>
-  </p:clrMapOvr>
-  <p:transition spd="med">
-    <p:fade/>
-  </p:transition>
-</p:sld>
-</file>
-
-<file path=ppt/slides/slide15.xml><?xml version="1.0" encoding="utf-8"?>
-<p:sld xmlns:a="http://schemas.openxmlformats.org/drawingml/2006/main" xmlns:r="http://schemas.openxmlformats.org/officeDocument/2006/relationships" xmlns:p="http://schemas.openxmlformats.org/presentationml/2006/main">
-  <p:cSld>
-    <p:spTree>
-      <p:nvGrpSpPr>
-        <p:cNvPr id="1" name=""/>
-        <p:cNvGrpSpPr/>
-        <p:nvPr/>
-      </p:nvGrpSpPr>
-      <p:grpSpPr>
-        <a:xfrm>
-          <a:off x="0" y="0"/>
-          <a:ext cx="0" cy="0"/>
-          <a:chOff x="0" y="0"/>
-          <a:chExt cx="0" cy="0"/>
-        </a:xfrm>
-      </p:grpSpPr>
-      <p:sp>
-        <p:nvSpPr>
-          <p:cNvPr id="2" name="Espaço Reservado para Texto 1">
-            <a:extLst>
-              <a:ext uri="{FF2B5EF4-FFF2-40B4-BE49-F238E27FC236}">
-                <a16:creationId xmlns:a16="http://schemas.microsoft.com/office/drawing/2014/main" id="{3F114319-84C9-4AAF-AFA3-783D2248EEE2}"/>
-              </a:ext>
-            </a:extLst>
-          </p:cNvPr>
-          <p:cNvSpPr>
-            <a:spLocks noGrp="1"/>
-          </p:cNvSpPr>
-          <p:nvPr>
-            <p:ph type="body" sz="quarter" idx="11"/>
-          </p:nvPr>
-        </p:nvSpPr>
-        <p:spPr/>
-        <p:txBody>
-          <a:bodyPr/>
-          <a:lstStyle/>
-          <a:p>
-            <a:pPr algn="ctr"/>
-            <a:r>
-              <a:rPr lang="pt-BR" dirty="0" err="1"/>
-              <a:t>Challenges</a:t>
-            </a:r>
-            <a:r>
-              <a:rPr lang="pt-BR" b="0" i="0" dirty="0">
-                <a:solidFill>
-                  <a:srgbClr val="374151"/>
-                </a:solidFill>
-                <a:effectLst/>
-                <a:latin typeface="Söhne"/>
-              </a:rPr>
-              <a:t> </a:t>
-            </a:r>
-            <a:r>
-              <a:rPr lang="pt-BR" dirty="0" err="1"/>
-              <a:t>and</a:t>
-            </a:r>
-            <a:r>
-              <a:rPr lang="pt-BR" dirty="0"/>
-              <a:t> Next </a:t>
-            </a:r>
-            <a:r>
-              <a:rPr lang="pt-BR" dirty="0" err="1"/>
-              <a:t>Steps</a:t>
-            </a:r>
-            <a:endParaRPr lang="pt-BR" dirty="0"/>
-          </a:p>
-        </p:txBody>
-      </p:sp>
-      <p:sp>
-        <p:nvSpPr>
-          <p:cNvPr id="3" name="Espaço Reservado para Texto 2">
-            <a:extLst>
-              <a:ext uri="{FF2B5EF4-FFF2-40B4-BE49-F238E27FC236}">
-                <a16:creationId xmlns:a16="http://schemas.microsoft.com/office/drawing/2014/main" id="{453A38C8-FF32-47F3-A34B-D2FFB225B9BE}"/>
-              </a:ext>
-            </a:extLst>
-          </p:cNvPr>
-          <p:cNvSpPr>
-            <a:spLocks noGrp="1"/>
-          </p:cNvSpPr>
-          <p:nvPr>
-            <p:ph type="body" sz="quarter" idx="12"/>
-          </p:nvPr>
-        </p:nvSpPr>
-        <p:spPr>
-          <a:xfrm>
-            <a:off x="440191" y="905885"/>
-            <a:ext cx="8053813" cy="5461863"/>
-          </a:xfrm>
-        </p:spPr>
-        <p:txBody>
-          <a:bodyPr/>
-          <a:lstStyle/>
-          <a:p>
-            <a:pPr marL="457200" indent="-457200">
-              <a:buFont typeface="Wingdings" panose="05000000000000000000" pitchFamily="2" charset="2"/>
-              <a:buChar char="§"/>
-            </a:pPr>
-            <a:endParaRPr lang="en-US" b="0" i="0" dirty="0">
-              <a:solidFill>
-                <a:srgbClr val="374151"/>
-              </a:solidFill>
-              <a:effectLst/>
-              <a:latin typeface="Söhne"/>
-            </a:endParaRPr>
-          </a:p>
-          <a:p>
-            <a:pPr marL="457200" indent="-457200">
-              <a:buFont typeface="Wingdings" panose="05000000000000000000" pitchFamily="2" charset="2"/>
-              <a:buChar char="§"/>
-            </a:pPr>
-            <a:r>
-              <a:rPr lang="en-US" b="0" i="0" dirty="0">
-                <a:solidFill>
-                  <a:srgbClr val="374151"/>
-                </a:solidFill>
-                <a:effectLst/>
-                <a:latin typeface="Söhne"/>
-              </a:rPr>
-              <a:t>Refine data exploration and treatment; </a:t>
-            </a:r>
-          </a:p>
-          <a:p>
-            <a:pPr marL="457200" indent="-457200">
-              <a:buFont typeface="Wingdings" panose="05000000000000000000" pitchFamily="2" charset="2"/>
-              <a:buChar char="§"/>
-            </a:pPr>
-            <a:r>
-              <a:rPr lang="en-US" b="0" i="0" dirty="0">
-                <a:solidFill>
-                  <a:srgbClr val="374151"/>
-                </a:solidFill>
-                <a:effectLst/>
-                <a:latin typeface="Söhne"/>
-              </a:rPr>
-              <a:t>Invest in understanding the data; </a:t>
-            </a:r>
-          </a:p>
-          <a:p>
-            <a:pPr marL="457200" indent="-457200">
-              <a:buFont typeface="Wingdings" panose="05000000000000000000" pitchFamily="2" charset="2"/>
-              <a:buChar char="§"/>
-            </a:pPr>
-            <a:r>
-              <a:rPr lang="en-US" b="0" i="0" dirty="0">
-                <a:solidFill>
-                  <a:srgbClr val="374151"/>
-                </a:solidFill>
-                <a:effectLst/>
-                <a:latin typeface="Söhne"/>
-              </a:rPr>
-              <a:t>Improve the performance of the models used;</a:t>
-            </a:r>
-          </a:p>
-          <a:p>
-            <a:pPr marL="457200" indent="-457200">
-              <a:buFont typeface="Wingdings" panose="05000000000000000000" pitchFamily="2" charset="2"/>
-              <a:buChar char="§"/>
-            </a:pPr>
-            <a:r>
-              <a:rPr lang="en-US" b="0" i="0" dirty="0">
-                <a:solidFill>
-                  <a:srgbClr val="374151"/>
-                </a:solidFill>
-                <a:effectLst/>
-                <a:latin typeface="Söhne"/>
-              </a:rPr>
-              <a:t>Explore the obtained results, generating new hypotheses, According to G1, in 2019, the highest incidence of cases of congenital malformations occurred in the state of </a:t>
-            </a:r>
-            <a:r>
-              <a:rPr lang="en-US" b="0" i="0" dirty="0" err="1">
-                <a:solidFill>
-                  <a:srgbClr val="374151"/>
-                </a:solidFill>
-                <a:effectLst/>
-                <a:latin typeface="Söhne"/>
-              </a:rPr>
-              <a:t>Amapá</a:t>
-            </a:r>
-            <a:r>
-              <a:rPr lang="en-US" b="0" i="0" dirty="0">
-                <a:solidFill>
-                  <a:srgbClr val="374151"/>
-                </a:solidFill>
-                <a:effectLst/>
-                <a:latin typeface="Söhne"/>
-              </a:rPr>
-              <a:t>; </a:t>
-            </a:r>
-          </a:p>
-          <a:p>
-            <a:pPr marL="457200" indent="-457200">
-              <a:buFont typeface="Wingdings" panose="05000000000000000000" pitchFamily="2" charset="2"/>
-              <a:buChar char="§"/>
-            </a:pPr>
-            <a:r>
-              <a:rPr lang="en-US" b="0" i="0" dirty="0">
-                <a:solidFill>
-                  <a:srgbClr val="374151"/>
-                </a:solidFill>
-                <a:effectLst/>
-                <a:latin typeface="Söhne"/>
-              </a:rPr>
-              <a:t>Work on the development and deployment of an application.</a:t>
-            </a:r>
-            <a:endParaRPr lang="pt-BR" dirty="0"/>
-          </a:p>
-        </p:txBody>
-      </p:sp>
-      <p:sp>
-        <p:nvSpPr>
-          <p:cNvPr id="4" name="Espaço Reservado para Número de Slide 3">
-            <a:extLst>
-              <a:ext uri="{FF2B5EF4-FFF2-40B4-BE49-F238E27FC236}">
-                <a16:creationId xmlns:a16="http://schemas.microsoft.com/office/drawing/2014/main" id="{1A8282DD-4BB5-4B93-BA4D-924DAA6C40FE}"/>
-              </a:ext>
-            </a:extLst>
-          </p:cNvPr>
-          <p:cNvSpPr>
-            <a:spLocks noGrp="1"/>
-          </p:cNvSpPr>
-          <p:nvPr>
-            <p:ph type="sldNum" sz="quarter" idx="13"/>
-          </p:nvPr>
-        </p:nvSpPr>
-        <p:spPr/>
-        <p:txBody>
-          <a:bodyPr/>
-          <a:lstStyle/>
-          <a:p>
-            <a:pPr>
-              <a:defRPr/>
-            </a:pPr>
-            <a:fld id="{81A34151-D085-4FBF-8A8D-DE310635ECA0}" type="slidenum">
-              <a:rPr lang="pt-BR" smtClean="0"/>
-              <a:pPr>
-                <a:defRPr/>
-              </a:pPr>
-              <a:t>15</a:t>
-            </a:fld>
-            <a:endParaRPr lang="pt-BR"/>
-          </a:p>
-        </p:txBody>
-      </p:sp>
-    </p:spTree>
-    <p:extLst>
-      <p:ext uri="{BB962C8B-B14F-4D97-AF65-F5344CB8AC3E}">
-        <p14:creationId xmlns:p14="http://schemas.microsoft.com/office/powerpoint/2010/main" val="1932175346"/>
-      </p:ext>
-    </p:extLst>
-  </p:cSld>
-  <p:clrMapOvr>
-    <a:masterClrMapping/>
-  </p:clrMapOvr>
-  <p:transition spd="med">
-    <p:fade/>
-  </p:transition>
-</p:sld>
-</file>
-
-<file path=ppt/slides/slide16.xml><?xml version="1.0" encoding="utf-8"?>
-<p:sld xmlns:a="http://schemas.openxmlformats.org/drawingml/2006/main" xmlns:r="http://schemas.openxmlformats.org/officeDocument/2006/relationships" xmlns:p="http://schemas.openxmlformats.org/presentationml/2006/main">
-  <p:cSld>
-    <p:spTree>
-      <p:nvGrpSpPr>
-        <p:cNvPr id="1" name=""/>
-        <p:cNvGrpSpPr/>
-        <p:nvPr/>
-      </p:nvGrpSpPr>
-      <p:grpSpPr>
-        <a:xfrm>
-          <a:off x="0" y="0"/>
-          <a:ext cx="0" cy="0"/>
-          <a:chOff x="0" y="0"/>
-          <a:chExt cx="0" cy="0"/>
-        </a:xfrm>
-      </p:grpSpPr>
-      <p:sp>
-        <p:nvSpPr>
-          <p:cNvPr id="2" name="Espaço Reservado para Texto 1">
-            <a:extLst>
-              <a:ext uri="{FF2B5EF4-FFF2-40B4-BE49-F238E27FC236}">
-                <a16:creationId xmlns:a16="http://schemas.microsoft.com/office/drawing/2014/main" id="{560A7C8F-9C7A-4FE3-80E9-0CF13EFFFAAF}"/>
-              </a:ext>
-            </a:extLst>
-          </p:cNvPr>
-          <p:cNvSpPr>
-            <a:spLocks noGrp="1"/>
-          </p:cNvSpPr>
-          <p:nvPr>
-            <p:ph type="body" sz="quarter" idx="11"/>
-          </p:nvPr>
-        </p:nvSpPr>
-        <p:spPr/>
-        <p:txBody>
-          <a:bodyPr/>
-          <a:lstStyle/>
-          <a:p>
-            <a:pPr algn="ctr"/>
-            <a:r>
-              <a:rPr lang="pt-BR" dirty="0"/>
-              <a:t>Time</a:t>
-            </a:r>
-          </a:p>
-        </p:txBody>
-      </p:sp>
-      <p:sp>
-        <p:nvSpPr>
-          <p:cNvPr id="3" name="Espaço Reservado para Texto 2">
-            <a:extLst>
-              <a:ext uri="{FF2B5EF4-FFF2-40B4-BE49-F238E27FC236}">
-                <a16:creationId xmlns:a16="http://schemas.microsoft.com/office/drawing/2014/main" id="{E72532FC-5193-44AB-B44A-72702CCA68A1}"/>
-              </a:ext>
-            </a:extLst>
-          </p:cNvPr>
-          <p:cNvSpPr>
-            <a:spLocks noGrp="1"/>
-          </p:cNvSpPr>
-          <p:nvPr>
-            <p:ph type="body" sz="quarter" idx="12"/>
-          </p:nvPr>
-        </p:nvSpPr>
-        <p:spPr/>
-        <p:txBody>
-          <a:bodyPr/>
-          <a:lstStyle/>
-          <a:p>
-            <a:endParaRPr lang="pt-BR"/>
-          </a:p>
-        </p:txBody>
-      </p:sp>
-      <p:sp>
-        <p:nvSpPr>
-          <p:cNvPr id="4" name="Espaço Reservado para Número de Slide 3">
-            <a:extLst>
-              <a:ext uri="{FF2B5EF4-FFF2-40B4-BE49-F238E27FC236}">
-                <a16:creationId xmlns:a16="http://schemas.microsoft.com/office/drawing/2014/main" id="{B45BA687-C84F-41E5-868C-F0DA2091492F}"/>
-              </a:ext>
-            </a:extLst>
-          </p:cNvPr>
-          <p:cNvSpPr>
-            <a:spLocks noGrp="1"/>
-          </p:cNvSpPr>
-          <p:nvPr>
-            <p:ph type="sldNum" sz="quarter" idx="13"/>
-          </p:nvPr>
-        </p:nvSpPr>
-        <p:spPr/>
-        <p:txBody>
-          <a:bodyPr/>
-          <a:lstStyle/>
-          <a:p>
-            <a:pPr>
-              <a:defRPr/>
-            </a:pPr>
-            <a:fld id="{81A34151-D085-4FBF-8A8D-DE310635ECA0}" type="slidenum">
-              <a:rPr lang="pt-BR" smtClean="0"/>
-              <a:pPr>
-                <a:defRPr/>
-              </a:pPr>
-              <a:t>16</a:t>
-            </a:fld>
-            <a:endParaRPr lang="pt-BR"/>
-          </a:p>
-        </p:txBody>
-      </p:sp>
-    </p:spTree>
-    <p:extLst>
-      <p:ext uri="{BB962C8B-B14F-4D97-AF65-F5344CB8AC3E}">
-        <p14:creationId xmlns:p14="http://schemas.microsoft.com/office/powerpoint/2010/main" val="2485029604"/>
       </p:ext>
     </p:extLst>
   </p:cSld>
@@ -16646,6 +16913,863 @@
     <p:extLst>
       <p:ext uri="{BB962C8B-B14F-4D97-AF65-F5344CB8AC3E}">
         <p14:creationId xmlns:p14="http://schemas.microsoft.com/office/powerpoint/2010/main" val="4047015126"/>
+      </p:ext>
+    </p:extLst>
+  </p:cSld>
+  <p:clrMapOvr>
+    <a:masterClrMapping/>
+  </p:clrMapOvr>
+  <p:transition spd="med">
+    <p:fade/>
+  </p:transition>
+</p:sld>
+</file>
+
+<file path=ppt/slides/slide20.xml><?xml version="1.0" encoding="utf-8"?>
+<p:sld xmlns:a="http://schemas.openxmlformats.org/drawingml/2006/main" xmlns:r="http://schemas.openxmlformats.org/officeDocument/2006/relationships" xmlns:p="http://schemas.openxmlformats.org/presentationml/2006/main">
+  <p:cSld>
+    <p:spTree>
+      <p:nvGrpSpPr>
+        <p:cNvPr id="1" name=""/>
+        <p:cNvGrpSpPr/>
+        <p:nvPr/>
+      </p:nvGrpSpPr>
+      <p:grpSpPr>
+        <a:xfrm>
+          <a:off x="0" y="0"/>
+          <a:ext cx="0" cy="0"/>
+          <a:chOff x="0" y="0"/>
+          <a:chExt cx="0" cy="0"/>
+        </a:xfrm>
+      </p:grpSpPr>
+      <p:sp>
+        <p:nvSpPr>
+          <p:cNvPr id="2" name="Espaço Reservado para Texto 1">
+            <a:extLst>
+              <a:ext uri="{FF2B5EF4-FFF2-40B4-BE49-F238E27FC236}">
+                <a16:creationId xmlns:a16="http://schemas.microsoft.com/office/drawing/2014/main" id="{3F114319-84C9-4AAF-AFA3-783D2248EEE2}"/>
+              </a:ext>
+            </a:extLst>
+          </p:cNvPr>
+          <p:cNvSpPr>
+            <a:spLocks noGrp="1"/>
+          </p:cNvSpPr>
+          <p:nvPr>
+            <p:ph type="body" sz="quarter" idx="11"/>
+          </p:nvPr>
+        </p:nvSpPr>
+        <p:spPr/>
+        <p:txBody>
+          <a:bodyPr/>
+          <a:lstStyle/>
+          <a:p>
+            <a:pPr algn="ctr"/>
+            <a:r>
+              <a:rPr lang="pt-BR" dirty="0" err="1"/>
+              <a:t>Challenges</a:t>
+            </a:r>
+            <a:r>
+              <a:rPr lang="pt-BR" b="0" i="0" dirty="0">
+                <a:solidFill>
+                  <a:srgbClr val="374151"/>
+                </a:solidFill>
+                <a:effectLst/>
+                <a:latin typeface="Söhne"/>
+              </a:rPr>
+              <a:t> </a:t>
+            </a:r>
+            <a:r>
+              <a:rPr lang="pt-BR" dirty="0" err="1"/>
+              <a:t>and</a:t>
+            </a:r>
+            <a:r>
+              <a:rPr lang="pt-BR" dirty="0"/>
+              <a:t> Next </a:t>
+            </a:r>
+            <a:r>
+              <a:rPr lang="pt-BR" dirty="0" err="1"/>
+              <a:t>Steps</a:t>
+            </a:r>
+            <a:endParaRPr lang="pt-BR" dirty="0"/>
+          </a:p>
+        </p:txBody>
+      </p:sp>
+      <p:sp>
+        <p:nvSpPr>
+          <p:cNvPr id="3" name="Espaço Reservado para Texto 2">
+            <a:extLst>
+              <a:ext uri="{FF2B5EF4-FFF2-40B4-BE49-F238E27FC236}">
+                <a16:creationId xmlns:a16="http://schemas.microsoft.com/office/drawing/2014/main" id="{453A38C8-FF32-47F3-A34B-D2FFB225B9BE}"/>
+              </a:ext>
+            </a:extLst>
+          </p:cNvPr>
+          <p:cNvSpPr>
+            <a:spLocks noGrp="1"/>
+          </p:cNvSpPr>
+          <p:nvPr>
+            <p:ph type="body" sz="quarter" idx="12"/>
+          </p:nvPr>
+        </p:nvSpPr>
+        <p:spPr>
+          <a:xfrm>
+            <a:off x="440191" y="905885"/>
+            <a:ext cx="8053813" cy="5461863"/>
+          </a:xfrm>
+        </p:spPr>
+        <p:txBody>
+          <a:bodyPr/>
+          <a:lstStyle/>
+          <a:p>
+            <a:pPr marL="457200" indent="-457200">
+              <a:buFont typeface="Wingdings" panose="05000000000000000000" pitchFamily="2" charset="2"/>
+              <a:buChar char="§"/>
+            </a:pPr>
+            <a:endParaRPr lang="pt-BR" dirty="0"/>
+          </a:p>
+          <a:p>
+            <a:pPr marL="457200" indent="-457200">
+              <a:buFont typeface="Wingdings" panose="05000000000000000000" pitchFamily="2" charset="2"/>
+              <a:buChar char="§"/>
+            </a:pPr>
+            <a:r>
+              <a:rPr lang="en-US" b="0" i="0" dirty="0">
+                <a:solidFill>
+                  <a:srgbClr val="374151"/>
+                </a:solidFill>
+                <a:effectLst/>
+                <a:latin typeface="Söhne"/>
+              </a:rPr>
+              <a:t>Volume of databases; </a:t>
+            </a:r>
+          </a:p>
+          <a:p>
+            <a:pPr marL="457200" indent="-457200">
+              <a:buFont typeface="Wingdings" panose="05000000000000000000" pitchFamily="2" charset="2"/>
+              <a:buChar char="§"/>
+            </a:pPr>
+            <a:r>
+              <a:rPr lang="en-US" b="0" i="0" dirty="0">
+                <a:solidFill>
+                  <a:srgbClr val="374151"/>
+                </a:solidFill>
+                <a:effectLst/>
+                <a:latin typeface="Söhne"/>
+              </a:rPr>
+              <a:t>Handling missing data; </a:t>
+            </a:r>
+          </a:p>
+          <a:p>
+            <a:pPr marL="457200" indent="-457200">
+              <a:buFont typeface="Wingdings" panose="05000000000000000000" pitchFamily="2" charset="2"/>
+              <a:buChar char="§"/>
+            </a:pPr>
+            <a:r>
+              <a:rPr lang="en-US" b="0" i="0" dirty="0">
+                <a:solidFill>
+                  <a:srgbClr val="374151"/>
+                </a:solidFill>
+                <a:effectLst/>
+                <a:latin typeface="Söhne"/>
+              </a:rPr>
+              <a:t>Number of variables; </a:t>
+            </a:r>
+          </a:p>
+          <a:p>
+            <a:pPr marL="457200" indent="-457200">
+              <a:buFont typeface="Wingdings" panose="05000000000000000000" pitchFamily="2" charset="2"/>
+              <a:buChar char="§"/>
+            </a:pPr>
+            <a:r>
+              <a:rPr lang="en-US" b="0" i="0" dirty="0">
+                <a:solidFill>
+                  <a:srgbClr val="374151"/>
+                </a:solidFill>
+                <a:effectLst/>
+                <a:latin typeface="Söhne"/>
+              </a:rPr>
+              <a:t>Understanding of data and variables; </a:t>
+            </a:r>
+          </a:p>
+          <a:p>
+            <a:pPr marL="457200" indent="-457200">
+              <a:buFont typeface="Wingdings" panose="05000000000000000000" pitchFamily="2" charset="2"/>
+              <a:buChar char="§"/>
+            </a:pPr>
+            <a:r>
+              <a:rPr lang="en-US" b="0" i="0" dirty="0">
+                <a:solidFill>
+                  <a:srgbClr val="374151"/>
+                </a:solidFill>
+                <a:effectLst/>
+                <a:latin typeface="Söhne"/>
+              </a:rPr>
+              <a:t>Creating relationships between databases; </a:t>
+            </a:r>
+          </a:p>
+          <a:p>
+            <a:pPr marL="457200" indent="-457200">
+              <a:buFont typeface="Wingdings" panose="05000000000000000000" pitchFamily="2" charset="2"/>
+              <a:buChar char="§"/>
+            </a:pPr>
+            <a:r>
+              <a:rPr lang="en-US" b="0" i="0" dirty="0">
+                <a:solidFill>
+                  <a:srgbClr val="374151"/>
+                </a:solidFill>
+                <a:effectLst/>
+                <a:latin typeface="Söhne"/>
+              </a:rPr>
+              <a:t>Domain knowledge; </a:t>
+            </a:r>
+          </a:p>
+          <a:p>
+            <a:pPr marL="457200" indent="-457200">
+              <a:buFont typeface="Wingdings" panose="05000000000000000000" pitchFamily="2" charset="2"/>
+              <a:buChar char="§"/>
+            </a:pPr>
+            <a:r>
+              <a:rPr lang="en-US" b="0" i="0" dirty="0">
+                <a:solidFill>
+                  <a:srgbClr val="374151"/>
+                </a:solidFill>
+                <a:effectLst/>
+                <a:latin typeface="Söhne"/>
+              </a:rPr>
+              <a:t>Time.</a:t>
+            </a:r>
+            <a:endParaRPr lang="pt-BR" dirty="0"/>
+          </a:p>
+        </p:txBody>
+      </p:sp>
+      <p:sp>
+        <p:nvSpPr>
+          <p:cNvPr id="4" name="Espaço Reservado para Número de Slide 3">
+            <a:extLst>
+              <a:ext uri="{FF2B5EF4-FFF2-40B4-BE49-F238E27FC236}">
+                <a16:creationId xmlns:a16="http://schemas.microsoft.com/office/drawing/2014/main" id="{1A8282DD-4BB5-4B93-BA4D-924DAA6C40FE}"/>
+              </a:ext>
+            </a:extLst>
+          </p:cNvPr>
+          <p:cNvSpPr>
+            <a:spLocks noGrp="1"/>
+          </p:cNvSpPr>
+          <p:nvPr>
+            <p:ph type="sldNum" sz="quarter" idx="13"/>
+          </p:nvPr>
+        </p:nvSpPr>
+        <p:spPr/>
+        <p:txBody>
+          <a:bodyPr/>
+          <a:lstStyle/>
+          <a:p>
+            <a:pPr>
+              <a:defRPr/>
+            </a:pPr>
+            <a:fld id="{81A34151-D085-4FBF-8A8D-DE310635ECA0}" type="slidenum">
+              <a:rPr lang="pt-BR" smtClean="0"/>
+              <a:pPr>
+                <a:defRPr/>
+              </a:pPr>
+              <a:t>20</a:t>
+            </a:fld>
+            <a:endParaRPr lang="pt-BR"/>
+          </a:p>
+        </p:txBody>
+      </p:sp>
+    </p:spTree>
+    <p:extLst>
+      <p:ext uri="{BB962C8B-B14F-4D97-AF65-F5344CB8AC3E}">
+        <p14:creationId xmlns:p14="http://schemas.microsoft.com/office/powerpoint/2010/main" val="3676685781"/>
+      </p:ext>
+    </p:extLst>
+  </p:cSld>
+  <p:clrMapOvr>
+    <a:masterClrMapping/>
+  </p:clrMapOvr>
+  <p:transition spd="med">
+    <p:fade/>
+  </p:transition>
+</p:sld>
+</file>
+
+<file path=ppt/slides/slide21.xml><?xml version="1.0" encoding="utf-8"?>
+<p:sld xmlns:a="http://schemas.openxmlformats.org/drawingml/2006/main" xmlns:r="http://schemas.openxmlformats.org/officeDocument/2006/relationships" xmlns:p="http://schemas.openxmlformats.org/presentationml/2006/main">
+  <p:cSld>
+    <p:spTree>
+      <p:nvGrpSpPr>
+        <p:cNvPr id="1" name=""/>
+        <p:cNvGrpSpPr/>
+        <p:nvPr/>
+      </p:nvGrpSpPr>
+      <p:grpSpPr>
+        <a:xfrm>
+          <a:off x="0" y="0"/>
+          <a:ext cx="0" cy="0"/>
+          <a:chOff x="0" y="0"/>
+          <a:chExt cx="0" cy="0"/>
+        </a:xfrm>
+      </p:grpSpPr>
+      <p:sp>
+        <p:nvSpPr>
+          <p:cNvPr id="2" name="Espaço Reservado para Texto 1">
+            <a:extLst>
+              <a:ext uri="{FF2B5EF4-FFF2-40B4-BE49-F238E27FC236}">
+                <a16:creationId xmlns:a16="http://schemas.microsoft.com/office/drawing/2014/main" id="{3F114319-84C9-4AAF-AFA3-783D2248EEE2}"/>
+              </a:ext>
+            </a:extLst>
+          </p:cNvPr>
+          <p:cNvSpPr>
+            <a:spLocks noGrp="1"/>
+          </p:cNvSpPr>
+          <p:nvPr>
+            <p:ph type="body" sz="quarter" idx="11"/>
+          </p:nvPr>
+        </p:nvSpPr>
+        <p:spPr/>
+        <p:txBody>
+          <a:bodyPr/>
+          <a:lstStyle/>
+          <a:p>
+            <a:pPr algn="ctr"/>
+            <a:r>
+              <a:rPr lang="pt-BR" dirty="0"/>
+              <a:t>Desafios e Próximos Passos</a:t>
+            </a:r>
+          </a:p>
+        </p:txBody>
+      </p:sp>
+      <p:sp>
+        <p:nvSpPr>
+          <p:cNvPr id="3" name="Espaço Reservado para Texto 2">
+            <a:extLst>
+              <a:ext uri="{FF2B5EF4-FFF2-40B4-BE49-F238E27FC236}">
+                <a16:creationId xmlns:a16="http://schemas.microsoft.com/office/drawing/2014/main" id="{453A38C8-FF32-47F3-A34B-D2FFB225B9BE}"/>
+              </a:ext>
+            </a:extLst>
+          </p:cNvPr>
+          <p:cNvSpPr>
+            <a:spLocks noGrp="1"/>
+          </p:cNvSpPr>
+          <p:nvPr>
+            <p:ph type="body" sz="quarter" idx="12"/>
+          </p:nvPr>
+        </p:nvSpPr>
+        <p:spPr>
+          <a:xfrm>
+            <a:off x="440191" y="905885"/>
+            <a:ext cx="8053813" cy="5461863"/>
+          </a:xfrm>
+        </p:spPr>
+        <p:txBody>
+          <a:bodyPr/>
+          <a:lstStyle/>
+          <a:p>
+            <a:pPr marL="457200" indent="-457200">
+              <a:buFont typeface="Wingdings" panose="05000000000000000000" pitchFamily="2" charset="2"/>
+              <a:buChar char="§"/>
+            </a:pPr>
+            <a:endParaRPr lang="pt-BR" dirty="0"/>
+          </a:p>
+          <a:p>
+            <a:pPr marL="457200" indent="-457200">
+              <a:buFont typeface="Wingdings" panose="05000000000000000000" pitchFamily="2" charset="2"/>
+              <a:buChar char="§"/>
+            </a:pPr>
+            <a:r>
+              <a:rPr lang="pt-BR" dirty="0"/>
+              <a:t>Afinar a exploração e o tratamento dos dados;</a:t>
+            </a:r>
+          </a:p>
+          <a:p>
+            <a:pPr marL="457200" indent="-457200">
+              <a:buFont typeface="Wingdings" panose="05000000000000000000" pitchFamily="2" charset="2"/>
+              <a:buChar char="§"/>
+            </a:pPr>
+            <a:r>
+              <a:rPr lang="pt-BR" dirty="0"/>
+              <a:t>Investir no entendimento dos dados;</a:t>
+            </a:r>
+          </a:p>
+          <a:p>
+            <a:pPr marL="457200" indent="-457200">
+              <a:buFont typeface="Wingdings" panose="05000000000000000000" pitchFamily="2" charset="2"/>
+              <a:buChar char="§"/>
+            </a:pPr>
+            <a:r>
+              <a:rPr lang="pt-BR" dirty="0"/>
+              <a:t>Melhorar o desempenho dos modelos utilizados;</a:t>
+            </a:r>
+          </a:p>
+          <a:p>
+            <a:pPr marL="457200" indent="-457200">
+              <a:buFont typeface="Wingdings" panose="05000000000000000000" pitchFamily="2" charset="2"/>
+              <a:buChar char="§"/>
+            </a:pPr>
+            <a:r>
+              <a:rPr lang="pt-BR" dirty="0"/>
+              <a:t>Explorar os resultados obtidos, gerando novas hipóteses, </a:t>
+            </a:r>
+            <a:r>
+              <a:rPr lang="pt-BR" dirty="0" err="1"/>
+              <a:t>Ex</a:t>
+            </a:r>
+            <a:r>
+              <a:rPr lang="pt-BR" dirty="0"/>
+              <a:t>: Segundo G1, 2019 a maior incidências de casos de malformações congênitas no ano de 2019 no estado do Amapá;</a:t>
+            </a:r>
+          </a:p>
+          <a:p>
+            <a:pPr marL="457200" indent="-457200">
+              <a:buFont typeface="Wingdings" panose="05000000000000000000" pitchFamily="2" charset="2"/>
+              <a:buChar char="§"/>
+            </a:pPr>
+            <a:r>
+              <a:rPr lang="pt-BR" dirty="0"/>
+              <a:t>Trabalhar no desenvolvimento e </a:t>
+            </a:r>
+            <a:r>
+              <a:rPr lang="pt-BR" i="1" dirty="0"/>
+              <a:t>Deployment </a:t>
+            </a:r>
+            <a:r>
+              <a:rPr lang="pt-BR" dirty="0"/>
+              <a:t>de uma aplicação.</a:t>
+            </a:r>
+          </a:p>
+          <a:p>
+            <a:endParaRPr lang="pt-BR" dirty="0"/>
+          </a:p>
+          <a:p>
+            <a:pPr marL="457200" indent="-457200">
+              <a:buFont typeface="Wingdings" panose="05000000000000000000" pitchFamily="2" charset="2"/>
+              <a:buChar char="§"/>
+            </a:pPr>
+            <a:endParaRPr lang="pt-BR" dirty="0"/>
+          </a:p>
+        </p:txBody>
+      </p:sp>
+      <p:sp>
+        <p:nvSpPr>
+          <p:cNvPr id="4" name="Espaço Reservado para Número de Slide 3">
+            <a:extLst>
+              <a:ext uri="{FF2B5EF4-FFF2-40B4-BE49-F238E27FC236}">
+                <a16:creationId xmlns:a16="http://schemas.microsoft.com/office/drawing/2014/main" id="{1A8282DD-4BB5-4B93-BA4D-924DAA6C40FE}"/>
+              </a:ext>
+            </a:extLst>
+          </p:cNvPr>
+          <p:cNvSpPr>
+            <a:spLocks noGrp="1"/>
+          </p:cNvSpPr>
+          <p:nvPr>
+            <p:ph type="sldNum" sz="quarter" idx="13"/>
+          </p:nvPr>
+        </p:nvSpPr>
+        <p:spPr/>
+        <p:txBody>
+          <a:bodyPr/>
+          <a:lstStyle/>
+          <a:p>
+            <a:pPr>
+              <a:defRPr/>
+            </a:pPr>
+            <a:fld id="{81A34151-D085-4FBF-8A8D-DE310635ECA0}" type="slidenum">
+              <a:rPr lang="pt-BR" smtClean="0"/>
+              <a:pPr>
+                <a:defRPr/>
+              </a:pPr>
+              <a:t>21</a:t>
+            </a:fld>
+            <a:endParaRPr lang="pt-BR"/>
+          </a:p>
+        </p:txBody>
+      </p:sp>
+    </p:spTree>
+    <p:extLst>
+      <p:ext uri="{BB962C8B-B14F-4D97-AF65-F5344CB8AC3E}">
+        <p14:creationId xmlns:p14="http://schemas.microsoft.com/office/powerpoint/2010/main" val="3151775820"/>
+      </p:ext>
+    </p:extLst>
+  </p:cSld>
+  <p:clrMapOvr>
+    <a:masterClrMapping/>
+  </p:clrMapOvr>
+  <p:transition spd="med">
+    <p:fade/>
+  </p:transition>
+</p:sld>
+</file>
+
+<file path=ppt/slides/slide22.xml><?xml version="1.0" encoding="utf-8"?>
+<p:sld xmlns:a="http://schemas.openxmlformats.org/drawingml/2006/main" xmlns:r="http://schemas.openxmlformats.org/officeDocument/2006/relationships" xmlns:p="http://schemas.openxmlformats.org/presentationml/2006/main">
+  <p:cSld>
+    <p:spTree>
+      <p:nvGrpSpPr>
+        <p:cNvPr id="1" name=""/>
+        <p:cNvGrpSpPr/>
+        <p:nvPr/>
+      </p:nvGrpSpPr>
+      <p:grpSpPr>
+        <a:xfrm>
+          <a:off x="0" y="0"/>
+          <a:ext cx="0" cy="0"/>
+          <a:chOff x="0" y="0"/>
+          <a:chExt cx="0" cy="0"/>
+        </a:xfrm>
+      </p:grpSpPr>
+      <p:sp>
+        <p:nvSpPr>
+          <p:cNvPr id="2" name="Espaço Reservado para Texto 1">
+            <a:extLst>
+              <a:ext uri="{FF2B5EF4-FFF2-40B4-BE49-F238E27FC236}">
+                <a16:creationId xmlns:a16="http://schemas.microsoft.com/office/drawing/2014/main" id="{3F114319-84C9-4AAF-AFA3-783D2248EEE2}"/>
+              </a:ext>
+            </a:extLst>
+          </p:cNvPr>
+          <p:cNvSpPr>
+            <a:spLocks noGrp="1"/>
+          </p:cNvSpPr>
+          <p:nvPr>
+            <p:ph type="body" sz="quarter" idx="11"/>
+          </p:nvPr>
+        </p:nvSpPr>
+        <p:spPr/>
+        <p:txBody>
+          <a:bodyPr/>
+          <a:lstStyle/>
+          <a:p>
+            <a:pPr algn="ctr"/>
+            <a:r>
+              <a:rPr lang="pt-BR" dirty="0" err="1"/>
+              <a:t>Challenges</a:t>
+            </a:r>
+            <a:r>
+              <a:rPr lang="pt-BR" b="0" i="0" dirty="0">
+                <a:solidFill>
+                  <a:srgbClr val="374151"/>
+                </a:solidFill>
+                <a:effectLst/>
+                <a:latin typeface="Söhne"/>
+              </a:rPr>
+              <a:t> </a:t>
+            </a:r>
+            <a:r>
+              <a:rPr lang="pt-BR" dirty="0" err="1"/>
+              <a:t>and</a:t>
+            </a:r>
+            <a:r>
+              <a:rPr lang="pt-BR" dirty="0"/>
+              <a:t> Next </a:t>
+            </a:r>
+            <a:r>
+              <a:rPr lang="pt-BR" dirty="0" err="1"/>
+              <a:t>Steps</a:t>
+            </a:r>
+            <a:endParaRPr lang="pt-BR" dirty="0"/>
+          </a:p>
+        </p:txBody>
+      </p:sp>
+      <p:sp>
+        <p:nvSpPr>
+          <p:cNvPr id="3" name="Espaço Reservado para Texto 2">
+            <a:extLst>
+              <a:ext uri="{FF2B5EF4-FFF2-40B4-BE49-F238E27FC236}">
+                <a16:creationId xmlns:a16="http://schemas.microsoft.com/office/drawing/2014/main" id="{453A38C8-FF32-47F3-A34B-D2FFB225B9BE}"/>
+              </a:ext>
+            </a:extLst>
+          </p:cNvPr>
+          <p:cNvSpPr>
+            <a:spLocks noGrp="1"/>
+          </p:cNvSpPr>
+          <p:nvPr>
+            <p:ph type="body" sz="quarter" idx="12"/>
+          </p:nvPr>
+        </p:nvSpPr>
+        <p:spPr>
+          <a:xfrm>
+            <a:off x="440191" y="905885"/>
+            <a:ext cx="8053813" cy="5461863"/>
+          </a:xfrm>
+        </p:spPr>
+        <p:txBody>
+          <a:bodyPr/>
+          <a:lstStyle/>
+          <a:p>
+            <a:pPr marL="457200" indent="-457200">
+              <a:buFont typeface="Wingdings" panose="05000000000000000000" pitchFamily="2" charset="2"/>
+              <a:buChar char="§"/>
+            </a:pPr>
+            <a:endParaRPr lang="en-US" b="0" i="0" dirty="0">
+              <a:solidFill>
+                <a:srgbClr val="374151"/>
+              </a:solidFill>
+              <a:effectLst/>
+              <a:latin typeface="Söhne"/>
+            </a:endParaRPr>
+          </a:p>
+          <a:p>
+            <a:pPr marL="457200" indent="-457200">
+              <a:buFont typeface="Wingdings" panose="05000000000000000000" pitchFamily="2" charset="2"/>
+              <a:buChar char="§"/>
+            </a:pPr>
+            <a:r>
+              <a:rPr lang="en-US" b="0" i="0" dirty="0">
+                <a:solidFill>
+                  <a:srgbClr val="374151"/>
+                </a:solidFill>
+                <a:effectLst/>
+                <a:latin typeface="Söhne"/>
+              </a:rPr>
+              <a:t>Refine data exploration and treatment; </a:t>
+            </a:r>
+          </a:p>
+          <a:p>
+            <a:pPr marL="457200" indent="-457200">
+              <a:buFont typeface="Wingdings" panose="05000000000000000000" pitchFamily="2" charset="2"/>
+              <a:buChar char="§"/>
+            </a:pPr>
+            <a:r>
+              <a:rPr lang="en-US" b="0" i="0" dirty="0">
+                <a:solidFill>
+                  <a:srgbClr val="374151"/>
+                </a:solidFill>
+                <a:effectLst/>
+                <a:latin typeface="Söhne"/>
+              </a:rPr>
+              <a:t>Invest in understanding the data; </a:t>
+            </a:r>
+          </a:p>
+          <a:p>
+            <a:pPr marL="457200" indent="-457200">
+              <a:buFont typeface="Wingdings" panose="05000000000000000000" pitchFamily="2" charset="2"/>
+              <a:buChar char="§"/>
+            </a:pPr>
+            <a:r>
+              <a:rPr lang="en-US" b="0" i="0" dirty="0">
+                <a:solidFill>
+                  <a:srgbClr val="374151"/>
+                </a:solidFill>
+                <a:effectLst/>
+                <a:latin typeface="Söhne"/>
+              </a:rPr>
+              <a:t>Improve the performance of the models used;</a:t>
+            </a:r>
+          </a:p>
+          <a:p>
+            <a:pPr marL="457200" indent="-457200">
+              <a:buFont typeface="Wingdings" panose="05000000000000000000" pitchFamily="2" charset="2"/>
+              <a:buChar char="§"/>
+            </a:pPr>
+            <a:r>
+              <a:rPr lang="en-US" b="0" i="0" dirty="0">
+                <a:solidFill>
+                  <a:srgbClr val="374151"/>
+                </a:solidFill>
+                <a:effectLst/>
+                <a:latin typeface="Söhne"/>
+              </a:rPr>
+              <a:t>Explore the obtained results, generating new hypotheses, According to G1, in 2019, the highest incidence of cases of congenital malformations occurred in the state of </a:t>
+            </a:r>
+            <a:r>
+              <a:rPr lang="en-US" b="0" i="0" dirty="0" err="1">
+                <a:solidFill>
+                  <a:srgbClr val="374151"/>
+                </a:solidFill>
+                <a:effectLst/>
+                <a:latin typeface="Söhne"/>
+              </a:rPr>
+              <a:t>Amapá</a:t>
+            </a:r>
+            <a:r>
+              <a:rPr lang="en-US" b="0" i="0" dirty="0">
+                <a:solidFill>
+                  <a:srgbClr val="374151"/>
+                </a:solidFill>
+                <a:effectLst/>
+                <a:latin typeface="Söhne"/>
+              </a:rPr>
+              <a:t>; </a:t>
+            </a:r>
+          </a:p>
+          <a:p>
+            <a:pPr marL="457200" indent="-457200">
+              <a:buFont typeface="Wingdings" panose="05000000000000000000" pitchFamily="2" charset="2"/>
+              <a:buChar char="§"/>
+            </a:pPr>
+            <a:r>
+              <a:rPr lang="en-US" b="0" i="0" dirty="0">
+                <a:solidFill>
+                  <a:srgbClr val="374151"/>
+                </a:solidFill>
+                <a:effectLst/>
+                <a:latin typeface="Söhne"/>
+              </a:rPr>
+              <a:t>Work on the development and deployment of an application.</a:t>
+            </a:r>
+            <a:endParaRPr lang="pt-BR" dirty="0"/>
+          </a:p>
+        </p:txBody>
+      </p:sp>
+      <p:sp>
+        <p:nvSpPr>
+          <p:cNvPr id="4" name="Espaço Reservado para Número de Slide 3">
+            <a:extLst>
+              <a:ext uri="{FF2B5EF4-FFF2-40B4-BE49-F238E27FC236}">
+                <a16:creationId xmlns:a16="http://schemas.microsoft.com/office/drawing/2014/main" id="{1A8282DD-4BB5-4B93-BA4D-924DAA6C40FE}"/>
+              </a:ext>
+            </a:extLst>
+          </p:cNvPr>
+          <p:cNvSpPr>
+            <a:spLocks noGrp="1"/>
+          </p:cNvSpPr>
+          <p:nvPr>
+            <p:ph type="sldNum" sz="quarter" idx="13"/>
+          </p:nvPr>
+        </p:nvSpPr>
+        <p:spPr/>
+        <p:txBody>
+          <a:bodyPr/>
+          <a:lstStyle/>
+          <a:p>
+            <a:pPr>
+              <a:defRPr/>
+            </a:pPr>
+            <a:fld id="{81A34151-D085-4FBF-8A8D-DE310635ECA0}" type="slidenum">
+              <a:rPr lang="pt-BR" smtClean="0"/>
+              <a:pPr>
+                <a:defRPr/>
+              </a:pPr>
+              <a:t>22</a:t>
+            </a:fld>
+            <a:endParaRPr lang="pt-BR"/>
+          </a:p>
+        </p:txBody>
+      </p:sp>
+    </p:spTree>
+    <p:extLst>
+      <p:ext uri="{BB962C8B-B14F-4D97-AF65-F5344CB8AC3E}">
+        <p14:creationId xmlns:p14="http://schemas.microsoft.com/office/powerpoint/2010/main" val="1932175346"/>
+      </p:ext>
+    </p:extLst>
+  </p:cSld>
+  <p:clrMapOvr>
+    <a:masterClrMapping/>
+  </p:clrMapOvr>
+  <p:transition spd="med">
+    <p:fade/>
+  </p:transition>
+</p:sld>
+</file>
+
+<file path=ppt/slides/slide23.xml><?xml version="1.0" encoding="utf-8"?>
+<p:sld xmlns:a="http://schemas.openxmlformats.org/drawingml/2006/main" xmlns:r="http://schemas.openxmlformats.org/officeDocument/2006/relationships" xmlns:p="http://schemas.openxmlformats.org/presentationml/2006/main">
+  <p:cSld>
+    <p:spTree>
+      <p:nvGrpSpPr>
+        <p:cNvPr id="1" name=""/>
+        <p:cNvGrpSpPr/>
+        <p:nvPr/>
+      </p:nvGrpSpPr>
+      <p:grpSpPr>
+        <a:xfrm>
+          <a:off x="0" y="0"/>
+          <a:ext cx="0" cy="0"/>
+          <a:chOff x="0" y="0"/>
+          <a:chExt cx="0" cy="0"/>
+        </a:xfrm>
+      </p:grpSpPr>
+      <p:sp>
+        <p:nvSpPr>
+          <p:cNvPr id="2" name="Espaço Reservado para Texto 1">
+            <a:extLst>
+              <a:ext uri="{FF2B5EF4-FFF2-40B4-BE49-F238E27FC236}">
+                <a16:creationId xmlns:a16="http://schemas.microsoft.com/office/drawing/2014/main" id="{560A7C8F-9C7A-4FE3-80E9-0CF13EFFFAAF}"/>
+              </a:ext>
+            </a:extLst>
+          </p:cNvPr>
+          <p:cNvSpPr>
+            <a:spLocks noGrp="1"/>
+          </p:cNvSpPr>
+          <p:nvPr>
+            <p:ph type="body" sz="quarter" idx="11"/>
+          </p:nvPr>
+        </p:nvSpPr>
+        <p:spPr/>
+        <p:txBody>
+          <a:bodyPr/>
+          <a:lstStyle/>
+          <a:p>
+            <a:pPr algn="ctr"/>
+            <a:r>
+              <a:rPr lang="pt-BR" dirty="0"/>
+              <a:t>Time</a:t>
+            </a:r>
+          </a:p>
+        </p:txBody>
+      </p:sp>
+      <p:sp>
+        <p:nvSpPr>
+          <p:cNvPr id="3" name="Espaço Reservado para Texto 2">
+            <a:extLst>
+              <a:ext uri="{FF2B5EF4-FFF2-40B4-BE49-F238E27FC236}">
+                <a16:creationId xmlns:a16="http://schemas.microsoft.com/office/drawing/2014/main" id="{E72532FC-5193-44AB-B44A-72702CCA68A1}"/>
+              </a:ext>
+            </a:extLst>
+          </p:cNvPr>
+          <p:cNvSpPr>
+            <a:spLocks noGrp="1"/>
+          </p:cNvSpPr>
+          <p:nvPr>
+            <p:ph type="body" sz="quarter" idx="12"/>
+          </p:nvPr>
+        </p:nvSpPr>
+        <p:spPr/>
+        <p:txBody>
+          <a:bodyPr/>
+          <a:lstStyle/>
+          <a:p>
+            <a:endParaRPr lang="pt-BR"/>
+          </a:p>
+        </p:txBody>
+      </p:sp>
+      <p:sp>
+        <p:nvSpPr>
+          <p:cNvPr id="4" name="Espaço Reservado para Número de Slide 3">
+            <a:extLst>
+              <a:ext uri="{FF2B5EF4-FFF2-40B4-BE49-F238E27FC236}">
+                <a16:creationId xmlns:a16="http://schemas.microsoft.com/office/drawing/2014/main" id="{B45BA687-C84F-41E5-868C-F0DA2091492F}"/>
+              </a:ext>
+            </a:extLst>
+          </p:cNvPr>
+          <p:cNvSpPr>
+            <a:spLocks noGrp="1"/>
+          </p:cNvSpPr>
+          <p:nvPr>
+            <p:ph type="sldNum" sz="quarter" idx="13"/>
+          </p:nvPr>
+        </p:nvSpPr>
+        <p:spPr/>
+        <p:txBody>
+          <a:bodyPr/>
+          <a:lstStyle/>
+          <a:p>
+            <a:pPr>
+              <a:defRPr/>
+            </a:pPr>
+            <a:fld id="{81A34151-D085-4FBF-8A8D-DE310635ECA0}" type="slidenum">
+              <a:rPr lang="pt-BR" smtClean="0"/>
+              <a:pPr>
+                <a:defRPr/>
+              </a:pPr>
+              <a:t>23</a:t>
+            </a:fld>
+            <a:endParaRPr lang="pt-BR"/>
+          </a:p>
+        </p:txBody>
+      </p:sp>
+    </p:spTree>
+    <p:extLst>
+      <p:ext uri="{BB962C8B-B14F-4D97-AF65-F5344CB8AC3E}">
+        <p14:creationId xmlns:p14="http://schemas.microsoft.com/office/powerpoint/2010/main" val="2485029604"/>
       </p:ext>
     </p:extLst>
   </p:cSld>
@@ -17849,7 +18973,7 @@
               <a:t>features</a:t>
             </a:r>
             <a:r>
-              <a:rPr lang="pt-BR" sz="1600">
+              <a:rPr lang="pt-BR" sz="1600" dirty="0">
                 <a:effectLst/>
                 <a:latin typeface="Calibri" panose="020F0502020204030204" pitchFamily="34" charset="0"/>
               </a:rPr>
@@ -18246,7 +19370,110 @@
           <a:p>
             <a:r>
               <a:rPr lang="pt-BR" dirty="0"/>
-              <a:t>....</a:t>
+              <a:t>Malformação:</a:t>
+            </a:r>
+          </a:p>
+          <a:p>
+            <a:pPr marL="457200" indent="-457200">
+              <a:lnSpc>
+                <a:spcPct val="100000"/>
+              </a:lnSpc>
+              <a:buFont typeface="Arial" panose="020B0604020202020204" pitchFamily="34" charset="0"/>
+              <a:buChar char="•"/>
+            </a:pPr>
+            <a:r>
+              <a:rPr lang="pt-BR" b="0" dirty="0"/>
+              <a:t>Descritivos</a:t>
+            </a:r>
+          </a:p>
+          <a:p>
+            <a:pPr marL="457200" indent="-457200">
+              <a:lnSpc>
+                <a:spcPct val="100000"/>
+              </a:lnSpc>
+              <a:buFont typeface="Arial" panose="020B0604020202020204" pitchFamily="34" charset="0"/>
+              <a:buChar char="•"/>
+            </a:pPr>
+            <a:r>
+              <a:rPr lang="pt-BR" b="0" dirty="0"/>
+              <a:t>Mapeamento da proporção de grupo de malformação por nascimento</a:t>
+            </a:r>
+          </a:p>
+          <a:p>
+            <a:pPr marL="457200" indent="-457200">
+              <a:lnSpc>
+                <a:spcPct val="100000"/>
+              </a:lnSpc>
+              <a:buFont typeface="Arial" panose="020B0604020202020204" pitchFamily="34" charset="0"/>
+              <a:buChar char="•"/>
+            </a:pPr>
+            <a:r>
+              <a:rPr lang="pt-BR" b="0" dirty="0"/>
+              <a:t>Cobertura de estabelecimentos especializados</a:t>
+            </a:r>
+          </a:p>
+          <a:p>
+            <a:pPr marL="457200" indent="-457200">
+              <a:lnSpc>
+                <a:spcPct val="100000"/>
+              </a:lnSpc>
+              <a:buFont typeface="Arial" panose="020B0604020202020204" pitchFamily="34" charset="0"/>
+              <a:buChar char="•"/>
+            </a:pPr>
+            <a:r>
+              <a:rPr lang="pt-BR" b="0" dirty="0"/>
+              <a:t>Análise de impacto de </a:t>
+            </a:r>
+            <a:r>
+              <a:rPr lang="pt-BR" b="0" dirty="0" err="1"/>
+              <a:t>features</a:t>
+            </a:r>
+            <a:endParaRPr lang="pt-BR" b="0" dirty="0"/>
+          </a:p>
+          <a:p>
+            <a:pPr marL="457200" indent="-457200">
+              <a:lnSpc>
+                <a:spcPct val="100000"/>
+              </a:lnSpc>
+              <a:buFont typeface="Arial" panose="020B0604020202020204" pitchFamily="34" charset="0"/>
+              <a:buChar char="•"/>
+            </a:pPr>
+            <a:r>
+              <a:rPr lang="pt-BR" b="0" dirty="0" err="1"/>
+              <a:t>Odds</a:t>
+            </a:r>
+            <a:r>
+              <a:rPr lang="pt-BR" b="0" dirty="0"/>
+              <a:t> </a:t>
+            </a:r>
+            <a:r>
+              <a:rPr lang="pt-BR" b="0" dirty="0" err="1"/>
+              <a:t>Ratio</a:t>
+            </a:r>
+            <a:r>
+              <a:rPr lang="pt-BR" b="0" dirty="0"/>
+              <a:t> das </a:t>
+            </a:r>
+            <a:r>
+              <a:rPr lang="pt-BR" b="0" dirty="0" err="1"/>
+              <a:t>features</a:t>
+            </a:r>
+            <a:r>
+              <a:rPr lang="pt-BR" b="0" dirty="0"/>
+              <a:t> mais importantes</a:t>
+            </a:r>
+          </a:p>
+          <a:p>
+            <a:pPr marL="457200" indent="-457200">
+              <a:lnSpc>
+                <a:spcPct val="100000"/>
+              </a:lnSpc>
+              <a:buFont typeface="Arial" panose="020B0604020202020204" pitchFamily="34" charset="0"/>
+              <a:buChar char="•"/>
+            </a:pPr>
+            <a:r>
+              <a:rPr lang="pt-BR" b="0" dirty="0"/>
+              <a:t>Predição</a:t>
             </a:r>
           </a:p>
         </p:txBody>
@@ -18324,7 +19551,7 @@
           <p:cNvPr id="2" name="Espaço Reservado para Texto 1">
             <a:extLst>
               <a:ext uri="{FF2B5EF4-FFF2-40B4-BE49-F238E27FC236}">
-                <a16:creationId xmlns:a16="http://schemas.microsoft.com/office/drawing/2014/main" id="{C1F8AE0D-A0C8-4BFB-BE2B-601FEF5A850D}"/>
+                <a16:creationId xmlns:a16="http://schemas.microsoft.com/office/drawing/2014/main" id="{6E7D4E4A-DF52-4608-B60C-E5E50C647016}"/>
               </a:ext>
             </a:extLst>
           </p:cNvPr>
@@ -18343,7 +19570,7 @@
             <a:pPr algn="ctr"/>
             <a:r>
               <a:rPr lang="pt-BR" dirty="0"/>
-              <a:t>Resultados e Discussão </a:t>
+              <a:t>Resultados e Discussões</a:t>
             </a:r>
           </a:p>
         </p:txBody>
@@ -18353,7 +19580,7 @@
           <p:cNvPr id="3" name="Espaço Reservado para Texto 2">
             <a:extLst>
               <a:ext uri="{FF2B5EF4-FFF2-40B4-BE49-F238E27FC236}">
-                <a16:creationId xmlns:a16="http://schemas.microsoft.com/office/drawing/2014/main" id="{0937E78C-CEDB-4FA8-9CBE-293F5BF55D21}"/>
+                <a16:creationId xmlns:a16="http://schemas.microsoft.com/office/drawing/2014/main" id="{00CA858A-C0B6-41A4-A288-4D52CD80A743}"/>
               </a:ext>
             </a:extLst>
           </p:cNvPr>
@@ -18364,19 +19591,14 @@
             <p:ph type="body" sz="quarter" idx="12"/>
           </p:nvPr>
         </p:nvSpPr>
-        <p:spPr>
-          <a:xfrm>
-            <a:off x="440191" y="905886"/>
-            <a:ext cx="7976695" cy="5241526"/>
-          </a:xfrm>
-        </p:spPr>
+        <p:spPr/>
         <p:txBody>
           <a:bodyPr/>
           <a:lstStyle/>
           <a:p>
             <a:r>
               <a:rPr lang="pt-BR" dirty="0"/>
-              <a:t>....</a:t>
+              <a:t>Descritivo</a:t>
             </a:r>
           </a:p>
         </p:txBody>
@@ -18386,7 +19608,7 @@
           <p:cNvPr id="4" name="Espaço Reservado para Número de Slide 3">
             <a:extLst>
               <a:ext uri="{FF2B5EF4-FFF2-40B4-BE49-F238E27FC236}">
-                <a16:creationId xmlns:a16="http://schemas.microsoft.com/office/drawing/2014/main" id="{1A308790-5A53-478E-BAFB-D6523EEADD98}"/>
+                <a16:creationId xmlns:a16="http://schemas.microsoft.com/office/drawing/2014/main" id="{0BEAEC9A-63B6-4646-B2E5-3B905675A746}"/>
               </a:ext>
             </a:extLst>
           </p:cNvPr>
@@ -18419,7 +19641,7 @@
     </p:spTree>
     <p:extLst>
       <p:ext uri="{BB962C8B-B14F-4D97-AF65-F5344CB8AC3E}">
-        <p14:creationId xmlns:p14="http://schemas.microsoft.com/office/powerpoint/2010/main" val="1347496181"/>
+        <p14:creationId xmlns:p14="http://schemas.microsoft.com/office/powerpoint/2010/main" val="2766057274"/>
       </p:ext>
     </p:extLst>
   </p:cSld>
